--- a/Java_Training_Full_Detailed.pptx
+++ b/Java_Training_Full_Detailed.pptx
@@ -5,33 +5,27 @@
     <p:sldMasterId id="2147483648" r:id="rId1"/>
   </p:sldMasterIdLst>
   <p:sldIdLst>
-    <p:sldId id="256" r:id="rId7"/>
-    <p:sldId id="257" r:id="rId8"/>
-    <p:sldId id="258" r:id="rId9"/>
-    <p:sldId id="259" r:id="rId10"/>
-    <p:sldId id="260" r:id="rId11"/>
-    <p:sldId id="261" r:id="rId12"/>
-    <p:sldId id="262" r:id="rId13"/>
-    <p:sldId id="263" r:id="rId14"/>
-    <p:sldId id="264" r:id="rId15"/>
-    <p:sldId id="265" r:id="rId16"/>
-    <p:sldId id="266" r:id="rId17"/>
-    <p:sldId id="267" r:id="rId18"/>
-    <p:sldId id="268" r:id="rId19"/>
-    <p:sldId id="269" r:id="rId20"/>
-    <p:sldId id="270" r:id="rId21"/>
-    <p:sldId id="271" r:id="rId22"/>
-    <p:sldId id="272" r:id="rId23"/>
-    <p:sldId id="273" r:id="rId24"/>
-    <p:sldId id="274" r:id="rId25"/>
-    <p:sldId id="275" r:id="rId26"/>
-    <p:sldId id="276" r:id="rId27"/>
-    <p:sldId id="277" r:id="rId28"/>
-    <p:sldId id="278" r:id="rId29"/>
-    <p:sldId id="279" r:id="rId30"/>
-    <p:sldId id="280" r:id="rId31"/>
-    <p:sldId id="281" r:id="rId32"/>
-    <p:sldId id="282" r:id="rId33"/>
+    <p:sldId id="256" r:id="rId2"/>
+    <p:sldId id="257" r:id="rId3"/>
+    <p:sldId id="258" r:id="rId4"/>
+    <p:sldId id="259" r:id="rId5"/>
+    <p:sldId id="260" r:id="rId6"/>
+    <p:sldId id="261" r:id="rId7"/>
+    <p:sldId id="262" r:id="rId8"/>
+    <p:sldId id="263" r:id="rId9"/>
+    <p:sldId id="264" r:id="rId10"/>
+    <p:sldId id="265" r:id="rId11"/>
+    <p:sldId id="266" r:id="rId12"/>
+    <p:sldId id="267" r:id="rId13"/>
+    <p:sldId id="268" r:id="rId14"/>
+    <p:sldId id="269" r:id="rId15"/>
+    <p:sldId id="277" r:id="rId16"/>
+    <p:sldId id="278" r:id="rId17"/>
+    <p:sldId id="279" r:id="rId18"/>
+    <p:sldId id="280" r:id="rId19"/>
+    <p:sldId id="281" r:id="rId20"/>
+    <p:sldId id="282" r:id="rId21"/>
+    <p:sldId id="276" r:id="rId22"/>
   </p:sldIdLst>
   <p:sldSz cx="9144000" cy="6858000" type="screen4x3"/>
   <p:notesSz cx="6858000" cy="9144000"/>
@@ -130,6 +124,22 @@
       </a:defRPr>
     </a:lvl9pPr>
   </p:defaultTextStyle>
+  <p:extLst>
+    <p:ext uri="{EFAFB233-063F-42B5-8137-9DF3F51BA10A}">
+      <p15:sldGuideLst xmlns:p15="http://schemas.microsoft.com/office/powerpoint/2012/main">
+        <p15:guide id="1" orient="horz" pos="2160">
+          <p15:clr>
+            <a:srgbClr val="A4A3A4"/>
+          </p15:clr>
+        </p15:guide>
+        <p15:guide id="2" pos="2880">
+          <p15:clr>
+            <a:srgbClr val="A4A3A4"/>
+          </p15:clr>
+        </p15:guide>
+      </p15:sldGuideLst>
+    </p:ext>
+  </p:extLst>
 </p:presentation>
 </file>
 
@@ -171,10 +181,9 @@
           <a:lstStyle/>
           <a:p>
             <a:r>
-              <a:rPr lang="en-US" smtClean="0"/>
+              <a:rPr lang="en-US"/>
               <a:t>Click to edit Master title style</a:t>
             </a:r>
-            <a:endParaRPr lang="en-US"/>
           </a:p>
         </p:txBody>
       </p:sp>
@@ -290,10 +299,9 @@
           </a:lstStyle>
           <a:p>
             <a:r>
-              <a:rPr lang="en-US" smtClean="0"/>
+              <a:rPr lang="en-US"/>
               <a:t>Click to edit Master subtitle style</a:t>
             </a:r>
-            <a:endParaRPr lang="en-US"/>
           </a:p>
         </p:txBody>
       </p:sp>
@@ -314,7 +322,7 @@
           <a:p>
             <a:fld id="{5BCAD085-E8A6-8845-BD4E-CB4CCA059FC4}" type="datetimeFigureOut">
               <a:rPr lang="en-US" smtClean="0"/>
-              <a:t>1/27/13</a:t>
+              <a:t>14-Mar-25</a:t>
             </a:fld>
             <a:endParaRPr lang="en-US"/>
           </a:p>
@@ -408,10 +416,9 @@
           <a:lstStyle/>
           <a:p>
             <a:r>
-              <a:rPr lang="en-US" smtClean="0"/>
+              <a:rPr lang="en-US"/>
               <a:t>Click to edit Master title style</a:t>
             </a:r>
-            <a:endParaRPr lang="en-US"/>
           </a:p>
         </p:txBody>
       </p:sp>
@@ -432,38 +439,37 @@
           <a:p>
             <a:pPr lvl="0"/>
             <a:r>
-              <a:rPr lang="en-US" smtClean="0"/>
+              <a:rPr lang="en-US"/>
               <a:t>Click to edit Master text styles</a:t>
             </a:r>
           </a:p>
           <a:p>
             <a:pPr lvl="1"/>
             <a:r>
-              <a:rPr lang="en-US" smtClean="0"/>
+              <a:rPr lang="en-US"/>
               <a:t>Second level</a:t>
             </a:r>
           </a:p>
           <a:p>
             <a:pPr lvl="2"/>
             <a:r>
-              <a:rPr lang="en-US" smtClean="0"/>
+              <a:rPr lang="en-US"/>
               <a:t>Third level</a:t>
             </a:r>
           </a:p>
           <a:p>
             <a:pPr lvl="3"/>
             <a:r>
-              <a:rPr lang="en-US" smtClean="0"/>
+              <a:rPr lang="en-US"/>
               <a:t>Fourth level</a:t>
             </a:r>
           </a:p>
           <a:p>
             <a:pPr lvl="4"/>
             <a:r>
-              <a:rPr lang="en-US" smtClean="0"/>
+              <a:rPr lang="en-US"/>
               <a:t>Fifth level</a:t>
             </a:r>
-            <a:endParaRPr lang="en-US"/>
           </a:p>
         </p:txBody>
       </p:sp>
@@ -484,7 +490,7 @@
           <a:p>
             <a:fld id="{5BCAD085-E8A6-8845-BD4E-CB4CCA059FC4}" type="datetimeFigureOut">
               <a:rPr lang="en-US" smtClean="0"/>
-              <a:t>1/27/13</a:t>
+              <a:t>14-Mar-25</a:t>
             </a:fld>
             <a:endParaRPr lang="en-US"/>
           </a:p>
@@ -583,10 +589,9 @@
           <a:lstStyle/>
           <a:p>
             <a:r>
-              <a:rPr lang="en-US" smtClean="0"/>
+              <a:rPr lang="en-US"/>
               <a:t>Click to edit Master title style</a:t>
             </a:r>
-            <a:endParaRPr lang="en-US"/>
           </a:p>
         </p:txBody>
       </p:sp>
@@ -612,38 +617,37 @@
           <a:p>
             <a:pPr lvl="0"/>
             <a:r>
-              <a:rPr lang="en-US" smtClean="0"/>
+              <a:rPr lang="en-US"/>
               <a:t>Click to edit Master text styles</a:t>
             </a:r>
           </a:p>
           <a:p>
             <a:pPr lvl="1"/>
             <a:r>
-              <a:rPr lang="en-US" smtClean="0"/>
+              <a:rPr lang="en-US"/>
               <a:t>Second level</a:t>
             </a:r>
           </a:p>
           <a:p>
             <a:pPr lvl="2"/>
             <a:r>
-              <a:rPr lang="en-US" smtClean="0"/>
+              <a:rPr lang="en-US"/>
               <a:t>Third level</a:t>
             </a:r>
           </a:p>
           <a:p>
             <a:pPr lvl="3"/>
             <a:r>
-              <a:rPr lang="en-US" smtClean="0"/>
+              <a:rPr lang="en-US"/>
               <a:t>Fourth level</a:t>
             </a:r>
           </a:p>
           <a:p>
             <a:pPr lvl="4"/>
             <a:r>
-              <a:rPr lang="en-US" smtClean="0"/>
+              <a:rPr lang="en-US"/>
               <a:t>Fifth level</a:t>
             </a:r>
-            <a:endParaRPr lang="en-US"/>
           </a:p>
         </p:txBody>
       </p:sp>
@@ -664,7 +668,7 @@
           <a:p>
             <a:fld id="{5BCAD085-E8A6-8845-BD4E-CB4CCA059FC4}" type="datetimeFigureOut">
               <a:rPr lang="en-US" smtClean="0"/>
-              <a:t>1/27/13</a:t>
+              <a:t>14-Mar-25</a:t>
             </a:fld>
             <a:endParaRPr lang="en-US"/>
           </a:p>
@@ -758,10 +762,9 @@
           <a:lstStyle/>
           <a:p>
             <a:r>
-              <a:rPr lang="en-US" smtClean="0"/>
+              <a:rPr lang="en-US"/>
               <a:t>Click to edit Master title style</a:t>
             </a:r>
-            <a:endParaRPr lang="en-US"/>
           </a:p>
         </p:txBody>
       </p:sp>
@@ -782,38 +785,37 @@
           <a:p>
             <a:pPr lvl="0"/>
             <a:r>
-              <a:rPr lang="en-US" smtClean="0"/>
+              <a:rPr lang="en-US"/>
               <a:t>Click to edit Master text styles</a:t>
             </a:r>
           </a:p>
           <a:p>
             <a:pPr lvl="1"/>
             <a:r>
-              <a:rPr lang="en-US" smtClean="0"/>
+              <a:rPr lang="en-US"/>
               <a:t>Second level</a:t>
             </a:r>
           </a:p>
           <a:p>
             <a:pPr lvl="2"/>
             <a:r>
-              <a:rPr lang="en-US" smtClean="0"/>
+              <a:rPr lang="en-US"/>
               <a:t>Third level</a:t>
             </a:r>
           </a:p>
           <a:p>
             <a:pPr lvl="3"/>
             <a:r>
-              <a:rPr lang="en-US" smtClean="0"/>
+              <a:rPr lang="en-US"/>
               <a:t>Fourth level</a:t>
             </a:r>
           </a:p>
           <a:p>
             <a:pPr lvl="4"/>
             <a:r>
-              <a:rPr lang="en-US" smtClean="0"/>
+              <a:rPr lang="en-US"/>
               <a:t>Fifth level</a:t>
             </a:r>
-            <a:endParaRPr lang="en-US"/>
           </a:p>
         </p:txBody>
       </p:sp>
@@ -834,7 +836,7 @@
           <a:p>
             <a:fld id="{5BCAD085-E8A6-8845-BD4E-CB4CCA059FC4}" type="datetimeFigureOut">
               <a:rPr lang="en-US" smtClean="0"/>
-              <a:t>1/27/13</a:t>
+              <a:t>14-Mar-25</a:t>
             </a:fld>
             <a:endParaRPr lang="en-US"/>
           </a:p>
@@ -937,10 +939,9 @@
           </a:lstStyle>
           <a:p>
             <a:r>
-              <a:rPr lang="en-US" smtClean="0"/>
+              <a:rPr lang="en-US"/>
               <a:t>Click to edit Master title style</a:t>
             </a:r>
-            <a:endParaRPr lang="en-US"/>
           </a:p>
         </p:txBody>
       </p:sp>
@@ -1057,7 +1058,7 @@
           <a:p>
             <a:pPr lvl="0"/>
             <a:r>
-              <a:rPr lang="en-US" smtClean="0"/>
+              <a:rPr lang="en-US"/>
               <a:t>Click to edit Master text styles</a:t>
             </a:r>
           </a:p>
@@ -1080,7 +1081,7 @@
           <a:p>
             <a:fld id="{5BCAD085-E8A6-8845-BD4E-CB4CCA059FC4}" type="datetimeFigureOut">
               <a:rPr lang="en-US" smtClean="0"/>
-              <a:t>1/27/13</a:t>
+              <a:t>14-Mar-25</a:t>
             </a:fld>
             <a:endParaRPr lang="en-US"/>
           </a:p>
@@ -1174,10 +1175,9 @@
           <a:lstStyle/>
           <a:p>
             <a:r>
-              <a:rPr lang="en-US" smtClean="0"/>
+              <a:rPr lang="en-US"/>
               <a:t>Click to edit Master title style</a:t>
             </a:r>
-            <a:endParaRPr lang="en-US"/>
           </a:p>
         </p:txBody>
       </p:sp>
@@ -1231,38 +1231,37 @@
           <a:p>
             <a:pPr lvl="0"/>
             <a:r>
-              <a:rPr lang="en-US" smtClean="0"/>
+              <a:rPr lang="en-US"/>
               <a:t>Click to edit Master text styles</a:t>
             </a:r>
           </a:p>
           <a:p>
             <a:pPr lvl="1"/>
             <a:r>
-              <a:rPr lang="en-US" smtClean="0"/>
+              <a:rPr lang="en-US"/>
               <a:t>Second level</a:t>
             </a:r>
           </a:p>
           <a:p>
             <a:pPr lvl="2"/>
             <a:r>
-              <a:rPr lang="en-US" smtClean="0"/>
+              <a:rPr lang="en-US"/>
               <a:t>Third level</a:t>
             </a:r>
           </a:p>
           <a:p>
             <a:pPr lvl="3"/>
             <a:r>
-              <a:rPr lang="en-US" smtClean="0"/>
+              <a:rPr lang="en-US"/>
               <a:t>Fourth level</a:t>
             </a:r>
           </a:p>
           <a:p>
             <a:pPr lvl="4"/>
             <a:r>
-              <a:rPr lang="en-US" smtClean="0"/>
+              <a:rPr lang="en-US"/>
               <a:t>Fifth level</a:t>
             </a:r>
-            <a:endParaRPr lang="en-US"/>
           </a:p>
         </p:txBody>
       </p:sp>
@@ -1316,38 +1315,37 @@
           <a:p>
             <a:pPr lvl="0"/>
             <a:r>
-              <a:rPr lang="en-US" smtClean="0"/>
+              <a:rPr lang="en-US"/>
               <a:t>Click to edit Master text styles</a:t>
             </a:r>
           </a:p>
           <a:p>
             <a:pPr lvl="1"/>
             <a:r>
-              <a:rPr lang="en-US" smtClean="0"/>
+              <a:rPr lang="en-US"/>
               <a:t>Second level</a:t>
             </a:r>
           </a:p>
           <a:p>
             <a:pPr lvl="2"/>
             <a:r>
-              <a:rPr lang="en-US" smtClean="0"/>
+              <a:rPr lang="en-US"/>
               <a:t>Third level</a:t>
             </a:r>
           </a:p>
           <a:p>
             <a:pPr lvl="3"/>
             <a:r>
-              <a:rPr lang="en-US" smtClean="0"/>
+              <a:rPr lang="en-US"/>
               <a:t>Fourth level</a:t>
             </a:r>
           </a:p>
           <a:p>
             <a:pPr lvl="4"/>
             <a:r>
-              <a:rPr lang="en-US" smtClean="0"/>
+              <a:rPr lang="en-US"/>
               <a:t>Fifth level</a:t>
             </a:r>
-            <a:endParaRPr lang="en-US"/>
           </a:p>
         </p:txBody>
       </p:sp>
@@ -1368,7 +1366,7 @@
           <a:p>
             <a:fld id="{5BCAD085-E8A6-8845-BD4E-CB4CCA059FC4}" type="datetimeFigureOut">
               <a:rPr lang="en-US" smtClean="0"/>
-              <a:t>1/27/13</a:t>
+              <a:t>14-Mar-25</a:t>
             </a:fld>
             <a:endParaRPr lang="en-US"/>
           </a:p>
@@ -1466,10 +1464,9 @@
           </a:lstStyle>
           <a:p>
             <a:r>
-              <a:rPr lang="en-US" smtClean="0"/>
+              <a:rPr lang="en-US"/>
               <a:t>Click to edit Master title style</a:t>
             </a:r>
-            <a:endParaRPr lang="en-US"/>
           </a:p>
         </p:txBody>
       </p:sp>
@@ -1532,7 +1529,7 @@
           <a:p>
             <a:pPr lvl="0"/>
             <a:r>
-              <a:rPr lang="en-US" smtClean="0"/>
+              <a:rPr lang="en-US"/>
               <a:t>Click to edit Master text styles</a:t>
             </a:r>
           </a:p>
@@ -1588,38 +1585,37 @@
           <a:p>
             <a:pPr lvl="0"/>
             <a:r>
-              <a:rPr lang="en-US" smtClean="0"/>
+              <a:rPr lang="en-US"/>
               <a:t>Click to edit Master text styles</a:t>
             </a:r>
           </a:p>
           <a:p>
             <a:pPr lvl="1"/>
             <a:r>
-              <a:rPr lang="en-US" smtClean="0"/>
+              <a:rPr lang="en-US"/>
               <a:t>Second level</a:t>
             </a:r>
           </a:p>
           <a:p>
             <a:pPr lvl="2"/>
             <a:r>
-              <a:rPr lang="en-US" smtClean="0"/>
+              <a:rPr lang="en-US"/>
               <a:t>Third level</a:t>
             </a:r>
           </a:p>
           <a:p>
             <a:pPr lvl="3"/>
             <a:r>
-              <a:rPr lang="en-US" smtClean="0"/>
+              <a:rPr lang="en-US"/>
               <a:t>Fourth level</a:t>
             </a:r>
           </a:p>
           <a:p>
             <a:pPr lvl="4"/>
             <a:r>
-              <a:rPr lang="en-US" smtClean="0"/>
+              <a:rPr lang="en-US"/>
               <a:t>Fifth level</a:t>
             </a:r>
-            <a:endParaRPr lang="en-US"/>
           </a:p>
         </p:txBody>
       </p:sp>
@@ -1682,7 +1678,7 @@
           <a:p>
             <a:pPr lvl="0"/>
             <a:r>
-              <a:rPr lang="en-US" smtClean="0"/>
+              <a:rPr lang="en-US"/>
               <a:t>Click to edit Master text styles</a:t>
             </a:r>
           </a:p>
@@ -1738,38 +1734,37 @@
           <a:p>
             <a:pPr lvl="0"/>
             <a:r>
-              <a:rPr lang="en-US" smtClean="0"/>
+              <a:rPr lang="en-US"/>
               <a:t>Click to edit Master text styles</a:t>
             </a:r>
           </a:p>
           <a:p>
             <a:pPr lvl="1"/>
             <a:r>
-              <a:rPr lang="en-US" smtClean="0"/>
+              <a:rPr lang="en-US"/>
               <a:t>Second level</a:t>
             </a:r>
           </a:p>
           <a:p>
             <a:pPr lvl="2"/>
             <a:r>
-              <a:rPr lang="en-US" smtClean="0"/>
+              <a:rPr lang="en-US"/>
               <a:t>Third level</a:t>
             </a:r>
           </a:p>
           <a:p>
             <a:pPr lvl="3"/>
             <a:r>
-              <a:rPr lang="en-US" smtClean="0"/>
+              <a:rPr lang="en-US"/>
               <a:t>Fourth level</a:t>
             </a:r>
           </a:p>
           <a:p>
             <a:pPr lvl="4"/>
             <a:r>
-              <a:rPr lang="en-US" smtClean="0"/>
+              <a:rPr lang="en-US"/>
               <a:t>Fifth level</a:t>
             </a:r>
-            <a:endParaRPr lang="en-US"/>
           </a:p>
         </p:txBody>
       </p:sp>
@@ -1790,7 +1785,7 @@
           <a:p>
             <a:fld id="{5BCAD085-E8A6-8845-BD4E-CB4CCA059FC4}" type="datetimeFigureOut">
               <a:rPr lang="en-US" smtClean="0"/>
-              <a:t>1/27/13</a:t>
+              <a:t>14-Mar-25</a:t>
             </a:fld>
             <a:endParaRPr lang="en-US"/>
           </a:p>
@@ -1884,10 +1879,9 @@
           <a:lstStyle/>
           <a:p>
             <a:r>
-              <a:rPr lang="en-US" smtClean="0"/>
+              <a:rPr lang="en-US"/>
               <a:t>Click to edit Master title style</a:t>
             </a:r>
-            <a:endParaRPr lang="en-US"/>
           </a:p>
         </p:txBody>
       </p:sp>
@@ -1908,7 +1902,7 @@
           <a:p>
             <a:fld id="{5BCAD085-E8A6-8845-BD4E-CB4CCA059FC4}" type="datetimeFigureOut">
               <a:rPr lang="en-US" smtClean="0"/>
-              <a:t>1/27/13</a:t>
+              <a:t>14-Mar-25</a:t>
             </a:fld>
             <a:endParaRPr lang="en-US"/>
           </a:p>
@@ -2003,7 +1997,7 @@
           <a:p>
             <a:fld id="{5BCAD085-E8A6-8845-BD4E-CB4CCA059FC4}" type="datetimeFigureOut">
               <a:rPr lang="en-US" smtClean="0"/>
-              <a:t>1/27/13</a:t>
+              <a:t>14-Mar-25</a:t>
             </a:fld>
             <a:endParaRPr lang="en-US"/>
           </a:p>
@@ -2106,10 +2100,9 @@
           </a:lstStyle>
           <a:p>
             <a:r>
-              <a:rPr lang="en-US" smtClean="0"/>
+              <a:rPr lang="en-US"/>
               <a:t>Click to edit Master title style</a:t>
             </a:r>
-            <a:endParaRPr lang="en-US"/>
           </a:p>
         </p:txBody>
       </p:sp>
@@ -2163,38 +2156,37 @@
           <a:p>
             <a:pPr lvl="0"/>
             <a:r>
-              <a:rPr lang="en-US" smtClean="0"/>
+              <a:rPr lang="en-US"/>
               <a:t>Click to edit Master text styles</a:t>
             </a:r>
           </a:p>
           <a:p>
             <a:pPr lvl="1"/>
             <a:r>
-              <a:rPr lang="en-US" smtClean="0"/>
+              <a:rPr lang="en-US"/>
               <a:t>Second level</a:t>
             </a:r>
           </a:p>
           <a:p>
             <a:pPr lvl="2"/>
             <a:r>
-              <a:rPr lang="en-US" smtClean="0"/>
+              <a:rPr lang="en-US"/>
               <a:t>Third level</a:t>
             </a:r>
           </a:p>
           <a:p>
             <a:pPr lvl="3"/>
             <a:r>
-              <a:rPr lang="en-US" smtClean="0"/>
+              <a:rPr lang="en-US"/>
               <a:t>Fourth level</a:t>
             </a:r>
           </a:p>
           <a:p>
             <a:pPr lvl="4"/>
             <a:r>
-              <a:rPr lang="en-US" smtClean="0"/>
+              <a:rPr lang="en-US"/>
               <a:t>Fifth level</a:t>
             </a:r>
-            <a:endParaRPr lang="en-US"/>
           </a:p>
         </p:txBody>
       </p:sp>
@@ -2257,7 +2249,7 @@
           <a:p>
             <a:pPr lvl="0"/>
             <a:r>
-              <a:rPr lang="en-US" smtClean="0"/>
+              <a:rPr lang="en-US"/>
               <a:t>Click to edit Master text styles</a:t>
             </a:r>
           </a:p>
@@ -2280,7 +2272,7 @@
           <a:p>
             <a:fld id="{5BCAD085-E8A6-8845-BD4E-CB4CCA059FC4}" type="datetimeFigureOut">
               <a:rPr lang="en-US" smtClean="0"/>
-              <a:t>1/27/13</a:t>
+              <a:t>14-Mar-25</a:t>
             </a:fld>
             <a:endParaRPr lang="en-US"/>
           </a:p>
@@ -2383,10 +2375,9 @@
           </a:lstStyle>
           <a:p>
             <a:r>
-              <a:rPr lang="en-US" smtClean="0"/>
+              <a:rPr lang="en-US"/>
               <a:t>Click to edit Master title style</a:t>
             </a:r>
-            <a:endParaRPr lang="en-US"/>
           </a:p>
         </p:txBody>
       </p:sp>
@@ -2510,7 +2501,7 @@
           <a:p>
             <a:pPr lvl="0"/>
             <a:r>
-              <a:rPr lang="en-US" smtClean="0"/>
+              <a:rPr lang="en-US"/>
               <a:t>Click to edit Master text styles</a:t>
             </a:r>
           </a:p>
@@ -2533,7 +2524,7 @@
           <a:p>
             <a:fld id="{5BCAD085-E8A6-8845-BD4E-CB4CCA059FC4}" type="datetimeFigureOut">
               <a:rPr lang="en-US" smtClean="0"/>
-              <a:t>1/27/13</a:t>
+              <a:t>14-Mar-25</a:t>
             </a:fld>
             <a:endParaRPr lang="en-US"/>
           </a:p>
@@ -2642,10 +2633,9 @@
           <a:lstStyle/>
           <a:p>
             <a:r>
-              <a:rPr lang="en-US" smtClean="0"/>
+              <a:rPr lang="en-US"/>
               <a:t>Click to edit Master title style</a:t>
             </a:r>
-            <a:endParaRPr lang="en-US"/>
           </a:p>
         </p:txBody>
       </p:sp>
@@ -2676,38 +2666,37 @@
           <a:p>
             <a:pPr lvl="0"/>
             <a:r>
-              <a:rPr lang="en-US" smtClean="0"/>
+              <a:rPr lang="en-US"/>
               <a:t>Click to edit Master text styles</a:t>
             </a:r>
           </a:p>
           <a:p>
             <a:pPr lvl="1"/>
             <a:r>
-              <a:rPr lang="en-US" smtClean="0"/>
+              <a:rPr lang="en-US"/>
               <a:t>Second level</a:t>
             </a:r>
           </a:p>
           <a:p>
             <a:pPr lvl="2"/>
             <a:r>
-              <a:rPr lang="en-US" smtClean="0"/>
+              <a:rPr lang="en-US"/>
               <a:t>Third level</a:t>
             </a:r>
           </a:p>
           <a:p>
             <a:pPr lvl="3"/>
             <a:r>
-              <a:rPr lang="en-US" smtClean="0"/>
+              <a:rPr lang="en-US"/>
               <a:t>Fourth level</a:t>
             </a:r>
           </a:p>
           <a:p>
             <a:pPr lvl="4"/>
             <a:r>
-              <a:rPr lang="en-US" smtClean="0"/>
+              <a:rPr lang="en-US"/>
               <a:t>Fifth level</a:t>
             </a:r>
-            <a:endParaRPr lang="en-US"/>
           </a:p>
         </p:txBody>
       </p:sp>
@@ -2746,7 +2735,7 @@
           <a:p>
             <a:fld id="{5BCAD085-E8A6-8845-BD4E-CB4CCA059FC4}" type="datetimeFigureOut">
               <a:rPr lang="en-US" smtClean="0"/>
-              <a:t>1/27/13</a:t>
+              <a:t>14-Mar-25</a:t>
             </a:fld>
             <a:endParaRPr lang="en-US"/>
           </a:p>
@@ -3105,7 +3094,7 @@
 </file>
 
 <file path=ppt/slides/slide1.xml><?xml version="1.0" encoding="utf-8"?>
-<p:sld xmlns:a="http://schemas.openxmlformats.org/drawingml/2006/main" xmlns:p="http://schemas.openxmlformats.org/presentationml/2006/main" xmlns:r="http://schemas.openxmlformats.org/officeDocument/2006/relationships">
+<p:sld xmlns:a="http://schemas.openxmlformats.org/drawingml/2006/main" xmlns:r="http://schemas.openxmlformats.org/officeDocument/2006/relationships" xmlns:p="http://schemas.openxmlformats.org/presentationml/2006/main">
   <p:cSld>
     <p:spTree>
       <p:nvGrpSpPr>
@@ -3113,7 +3102,14 @@
         <p:cNvGrpSpPr/>
         <p:nvPr/>
       </p:nvGrpSpPr>
-      <p:grpSpPr/>
+      <p:grpSpPr>
+        <a:xfrm>
+          <a:off x="0" y="0"/>
+          <a:ext cx="0" cy="0"/>
+          <a:chOff x="0" y="0"/>
+          <a:chExt cx="0" cy="0"/>
+        </a:xfrm>
+      </p:grpSpPr>
       <p:sp>
         <p:nvSpPr>
           <p:cNvPr id="2" name="Title 1"/>
@@ -3184,7 +3180,7 @@
 </file>
 
 <file path=ppt/slides/slide10.xml><?xml version="1.0" encoding="utf-8"?>
-<p:sld xmlns:a="http://schemas.openxmlformats.org/drawingml/2006/main" xmlns:p="http://schemas.openxmlformats.org/presentationml/2006/main" xmlns:r="http://schemas.openxmlformats.org/officeDocument/2006/relationships">
+<p:sld xmlns:a="http://schemas.openxmlformats.org/drawingml/2006/main" xmlns:r="http://schemas.openxmlformats.org/officeDocument/2006/relationships" xmlns:p="http://schemas.openxmlformats.org/presentationml/2006/main">
   <p:cSld>
     <p:spTree>
       <p:nvGrpSpPr>
@@ -3192,7 +3188,14 @@
         <p:cNvGrpSpPr/>
         <p:nvPr/>
       </p:nvGrpSpPr>
-      <p:grpSpPr/>
+      <p:grpSpPr>
+        <a:xfrm>
+          <a:off x="0" y="0"/>
+          <a:ext cx="0" cy="0"/>
+          <a:chOff x="0" y="0"/>
+          <a:chExt cx="0" cy="0"/>
+        </a:xfrm>
+      </p:grpSpPr>
       <p:sp>
         <p:nvSpPr>
           <p:cNvPr id="2" name="Title 1"/>
@@ -3209,7 +3212,7 @@
           <a:lstStyle/>
           <a:p>
             <a:pPr>
-              <a:defRPr b="1" sz="3600">
+              <a:defRPr sz="3600" b="1">
                 <a:solidFill>
                   <a:srgbClr val="0066CC"/>
                 </a:solidFill>
@@ -3282,7 +3285,7 @@
 </file>
 
 <file path=ppt/slides/slide11.xml><?xml version="1.0" encoding="utf-8"?>
-<p:sld xmlns:a="http://schemas.openxmlformats.org/drawingml/2006/main" xmlns:p="http://schemas.openxmlformats.org/presentationml/2006/main" xmlns:r="http://schemas.openxmlformats.org/officeDocument/2006/relationships">
+<p:sld xmlns:a="http://schemas.openxmlformats.org/drawingml/2006/main" xmlns:r="http://schemas.openxmlformats.org/officeDocument/2006/relationships" xmlns:p="http://schemas.openxmlformats.org/presentationml/2006/main">
   <p:cSld>
     <p:spTree>
       <p:nvGrpSpPr>
@@ -3290,7 +3293,14 @@
         <p:cNvGrpSpPr/>
         <p:nvPr/>
       </p:nvGrpSpPr>
-      <p:grpSpPr/>
+      <p:grpSpPr>
+        <a:xfrm>
+          <a:off x="0" y="0"/>
+          <a:ext cx="0" cy="0"/>
+          <a:chOff x="0" y="0"/>
+          <a:chExt cx="0" cy="0"/>
+        </a:xfrm>
+      </p:grpSpPr>
       <p:sp>
         <p:nvSpPr>
           <p:cNvPr id="2" name="Title 1"/>
@@ -3307,7 +3317,7 @@
           <a:lstStyle/>
           <a:p>
             <a:pPr>
-              <a:defRPr b="1" sz="3600">
+              <a:defRPr sz="3600" b="1">
                 <a:solidFill>
                   <a:srgbClr val="0066CC"/>
                 </a:solidFill>
@@ -3380,7 +3390,7 @@
 </file>
 
 <file path=ppt/slides/slide12.xml><?xml version="1.0" encoding="utf-8"?>
-<p:sld xmlns:a="http://schemas.openxmlformats.org/drawingml/2006/main" xmlns:p="http://schemas.openxmlformats.org/presentationml/2006/main" xmlns:r="http://schemas.openxmlformats.org/officeDocument/2006/relationships">
+<p:sld xmlns:a="http://schemas.openxmlformats.org/drawingml/2006/main" xmlns:r="http://schemas.openxmlformats.org/officeDocument/2006/relationships" xmlns:p="http://schemas.openxmlformats.org/presentationml/2006/main">
   <p:cSld>
     <p:spTree>
       <p:nvGrpSpPr>
@@ -3388,7 +3398,14 @@
         <p:cNvGrpSpPr/>
         <p:nvPr/>
       </p:nvGrpSpPr>
-      <p:grpSpPr/>
+      <p:grpSpPr>
+        <a:xfrm>
+          <a:off x="0" y="0"/>
+          <a:ext cx="0" cy="0"/>
+          <a:chOff x="0" y="0"/>
+          <a:chExt cx="0" cy="0"/>
+        </a:xfrm>
+      </p:grpSpPr>
       <p:sp>
         <p:nvSpPr>
           <p:cNvPr id="2" name="Title 1"/>
@@ -3405,7 +3422,7 @@
           <a:lstStyle/>
           <a:p>
             <a:pPr>
-              <a:defRPr b="1" sz="3600">
+              <a:defRPr sz="3600" b="1">
                 <a:solidFill>
                   <a:srgbClr val="0066CC"/>
                 </a:solidFill>
@@ -3478,7 +3495,7 @@
 </file>
 
 <file path=ppt/slides/slide13.xml><?xml version="1.0" encoding="utf-8"?>
-<p:sld xmlns:a="http://schemas.openxmlformats.org/drawingml/2006/main" xmlns:p="http://schemas.openxmlformats.org/presentationml/2006/main" xmlns:r="http://schemas.openxmlformats.org/officeDocument/2006/relationships">
+<p:sld xmlns:a="http://schemas.openxmlformats.org/drawingml/2006/main" xmlns:r="http://schemas.openxmlformats.org/officeDocument/2006/relationships" xmlns:p="http://schemas.openxmlformats.org/presentationml/2006/main">
   <p:cSld>
     <p:spTree>
       <p:nvGrpSpPr>
@@ -3486,7 +3503,14 @@
         <p:cNvGrpSpPr/>
         <p:nvPr/>
       </p:nvGrpSpPr>
-      <p:grpSpPr/>
+      <p:grpSpPr>
+        <a:xfrm>
+          <a:off x="0" y="0"/>
+          <a:ext cx="0" cy="0"/>
+          <a:chOff x="0" y="0"/>
+          <a:chExt cx="0" cy="0"/>
+        </a:xfrm>
+      </p:grpSpPr>
       <p:sp>
         <p:nvSpPr>
           <p:cNvPr id="2" name="Title 1"/>
@@ -3503,7 +3527,7 @@
           <a:lstStyle/>
           <a:p>
             <a:pPr>
-              <a:defRPr b="1" sz="3600">
+              <a:defRPr sz="3600" b="1">
                 <a:solidFill>
                   <a:srgbClr val="0066CC"/>
                 </a:solidFill>
@@ -3660,7 +3684,7 @@
 </file>
 
 <file path=ppt/slides/slide14.xml><?xml version="1.0" encoding="utf-8"?>
-<p:sld xmlns:a="http://schemas.openxmlformats.org/drawingml/2006/main" xmlns:p="http://schemas.openxmlformats.org/presentationml/2006/main" xmlns:r="http://schemas.openxmlformats.org/officeDocument/2006/relationships">
+<p:sld xmlns:a="http://schemas.openxmlformats.org/drawingml/2006/main" xmlns:r="http://schemas.openxmlformats.org/officeDocument/2006/relationships" xmlns:p="http://schemas.openxmlformats.org/presentationml/2006/main">
   <p:cSld>
     <p:spTree>
       <p:nvGrpSpPr>
@@ -3668,7 +3692,14 @@
         <p:cNvGrpSpPr/>
         <p:nvPr/>
       </p:nvGrpSpPr>
-      <p:grpSpPr/>
+      <p:grpSpPr>
+        <a:xfrm>
+          <a:off x="0" y="0"/>
+          <a:ext cx="0" cy="0"/>
+          <a:chOff x="0" y="0"/>
+          <a:chExt cx="0" cy="0"/>
+        </a:xfrm>
+      </p:grpSpPr>
       <p:sp>
         <p:nvSpPr>
           <p:cNvPr id="2" name="Title 1"/>
@@ -3685,7 +3716,7 @@
           <a:lstStyle/>
           <a:p>
             <a:pPr>
-              <a:defRPr b="1" sz="3600">
+              <a:defRPr sz="3600" b="1">
                 <a:solidFill>
                   <a:srgbClr val="0066CC"/>
                 </a:solidFill>
@@ -3720,6 +3751,7 @@
               </a:defRPr>
             </a:pPr>
             <a:r>
+              <a:rPr dirty="0"/>
               <a:t>✔ An object is an instance of a class.</a:t>
             </a:r>
           </a:p>
@@ -3732,6 +3764,7 @@
               </a:defRPr>
             </a:pPr>
             <a:r>
+              <a:rPr dirty="0"/>
               <a:t>Example:</a:t>
             </a:r>
           </a:p>
@@ -3744,6 +3777,7 @@
               </a:defRPr>
             </a:pPr>
             <a:r>
+              <a:rPr dirty="0"/>
               <a:t>```java</a:t>
             </a:r>
           </a:p>
@@ -3756,6 +3790,7 @@
               </a:defRPr>
             </a:pPr>
             <a:r>
+              <a:rPr dirty="0"/>
               <a:t>public class Main {</a:t>
             </a:r>
           </a:p>
@@ -3768,54 +3803,91 @@
               </a:defRPr>
             </a:pPr>
             <a:r>
-              <a:t>    public static void main(String[] args) {</a:t>
-            </a:r>
-          </a:p>
-          <a:p>
-            <a:pPr algn="l">
-              <a:defRPr sz="2400">
-                <a:solidFill>
-                  <a:srgbClr val="323232"/>
-                </a:solidFill>
-              </a:defRPr>
-            </a:pPr>
-            <a:r>
-              <a:t>        Car myCar = new Car();</a:t>
-            </a:r>
-          </a:p>
-          <a:p>
-            <a:pPr algn="l">
-              <a:defRPr sz="2400">
-                <a:solidFill>
-                  <a:srgbClr val="323232"/>
-                </a:solidFill>
-              </a:defRPr>
-            </a:pPr>
-            <a:r>
-              <a:t>        myCar.color = "Red";</a:t>
-            </a:r>
-          </a:p>
-          <a:p>
-            <a:pPr algn="l">
-              <a:defRPr sz="2400">
-                <a:solidFill>
-                  <a:srgbClr val="323232"/>
-                </a:solidFill>
-              </a:defRPr>
-            </a:pPr>
-            <a:r>
-              <a:t>        myCar.display();</a:t>
-            </a:r>
-          </a:p>
-          <a:p>
-            <a:pPr algn="l">
-              <a:defRPr sz="2400">
-                <a:solidFill>
-                  <a:srgbClr val="323232"/>
-                </a:solidFill>
-              </a:defRPr>
-            </a:pPr>
-            <a:r>
+              <a:rPr dirty="0"/>
+              <a:t>    public static void main(String[] </a:t>
+            </a:r>
+            <a:r>
+              <a:rPr dirty="0" err="1"/>
+              <a:t>args</a:t>
+            </a:r>
+            <a:r>
+              <a:rPr dirty="0"/>
+              <a:t>) {</a:t>
+            </a:r>
+          </a:p>
+          <a:p>
+            <a:pPr algn="l">
+              <a:defRPr sz="2400">
+                <a:solidFill>
+                  <a:srgbClr val="323232"/>
+                </a:solidFill>
+              </a:defRPr>
+            </a:pPr>
+            <a:r>
+              <a:rPr dirty="0"/>
+              <a:t>        Car </a:t>
+            </a:r>
+            <a:r>
+              <a:rPr dirty="0" err="1"/>
+              <a:t>myCar</a:t>
+            </a:r>
+            <a:r>
+              <a:rPr dirty="0"/>
+              <a:t> = new Car();</a:t>
+            </a:r>
+          </a:p>
+          <a:p>
+            <a:pPr algn="l">
+              <a:defRPr sz="2400">
+                <a:solidFill>
+                  <a:srgbClr val="323232"/>
+                </a:solidFill>
+              </a:defRPr>
+            </a:pPr>
+            <a:r>
+              <a:rPr dirty="0"/>
+              <a:t>        </a:t>
+            </a:r>
+            <a:r>
+              <a:rPr dirty="0" err="1"/>
+              <a:t>myCar.color</a:t>
+            </a:r>
+            <a:r>
+              <a:rPr dirty="0"/>
+              <a:t> = "Red";</a:t>
+            </a:r>
+          </a:p>
+          <a:p>
+            <a:pPr algn="l">
+              <a:defRPr sz="2400">
+                <a:solidFill>
+                  <a:srgbClr val="323232"/>
+                </a:solidFill>
+              </a:defRPr>
+            </a:pPr>
+            <a:r>
+              <a:rPr dirty="0"/>
+              <a:t>        </a:t>
+            </a:r>
+            <a:r>
+              <a:rPr dirty="0" err="1"/>
+              <a:t>myCar.display</a:t>
+            </a:r>
+            <a:r>
+              <a:rPr dirty="0"/>
+              <a:t>();</a:t>
+            </a:r>
+          </a:p>
+          <a:p>
+            <a:pPr algn="l">
+              <a:defRPr sz="2400">
+                <a:solidFill>
+                  <a:srgbClr val="323232"/>
+                </a:solidFill>
+              </a:defRPr>
+            </a:pPr>
+            <a:r>
+              <a:rPr dirty="0"/>
               <a:t>    }</a:t>
             </a:r>
           </a:p>
@@ -3828,6 +3900,7 @@
               </a:defRPr>
             </a:pPr>
             <a:r>
+              <a:rPr dirty="0"/>
               <a:t>}</a:t>
             </a:r>
           </a:p>
@@ -3840,6 +3913,7 @@
               </a:defRPr>
             </a:pPr>
             <a:r>
+              <a:rPr dirty="0"/>
               <a:t>```</a:t>
             </a:r>
           </a:p>
@@ -3854,7 +3928,7 @@
 </file>
 
 <file path=ppt/slides/slide15.xml><?xml version="1.0" encoding="utf-8"?>
-<p:sld xmlns:a="http://schemas.openxmlformats.org/drawingml/2006/main" xmlns:p="http://schemas.openxmlformats.org/presentationml/2006/main" xmlns:r="http://schemas.openxmlformats.org/officeDocument/2006/relationships">
+<p:sld xmlns:a="http://schemas.openxmlformats.org/drawingml/2006/main" xmlns:r="http://schemas.openxmlformats.org/officeDocument/2006/relationships" xmlns:p="http://schemas.openxmlformats.org/presentationml/2006/main">
   <p:cSld>
     <p:spTree>
       <p:nvGrpSpPr>
@@ -3862,7 +3936,14 @@
         <p:cNvGrpSpPr/>
         <p:nvPr/>
       </p:nvGrpSpPr>
-      <p:grpSpPr/>
+      <p:grpSpPr>
+        <a:xfrm>
+          <a:off x="0" y="0"/>
+          <a:ext cx="0" cy="0"/>
+          <a:chOff x="0" y="0"/>
+          <a:chExt cx="0" cy="0"/>
+        </a:xfrm>
+      </p:grpSpPr>
       <p:sp>
         <p:nvSpPr>
           <p:cNvPr id="2" name="Title 1"/>
@@ -3879,14 +3960,14 @@
           <a:lstStyle/>
           <a:p>
             <a:pPr>
-              <a:defRPr b="1" sz="3600">
+              <a:defRPr sz="3600" b="1">
                 <a:solidFill>
                   <a:srgbClr val="0066CC"/>
                 </a:solidFill>
               </a:defRPr>
             </a:pPr>
             <a:r>
-              <a:t>Java Strings</a:t>
+              <a:t>Java Strings - Introduction</a:t>
             </a:r>
           </a:p>
         </p:txBody>
@@ -3903,54 +3984,121 @@
         </p:nvSpPr>
         <p:spPr/>
         <p:txBody>
-          <a:bodyPr/>
-          <a:lstStyle/>
-          <a:p>
-            <a:pPr algn="l">
-              <a:defRPr sz="2400">
-                <a:solidFill>
-                  <a:srgbClr val="323232"/>
-                </a:solidFill>
-              </a:defRPr>
-            </a:pPr>
-            <a:r>
-              <a:t>✔ A String is a sequence of characters.</a:t>
-            </a:r>
-          </a:p>
-          <a:p>
-            <a:pPr algn="l">
-              <a:defRPr sz="2400">
-                <a:solidFill>
-                  <a:srgbClr val="323232"/>
-                </a:solidFill>
-              </a:defRPr>
-            </a:pPr>
-            <a:r>
-              <a:t>✔ Strings in Java are immutable (cannot be changed after creation).</a:t>
-            </a:r>
-          </a:p>
-          <a:p>
-            <a:pPr algn="l">
-              <a:defRPr sz="2400">
-                <a:solidFill>
-                  <a:srgbClr val="323232"/>
-                </a:solidFill>
-              </a:defRPr>
-            </a:pPr>
-            <a:r>
-              <a:t>✔ Java provides the String class for handling text.</a:t>
-            </a:r>
-          </a:p>
-          <a:p>
-            <a:pPr algn="l">
-              <a:defRPr sz="2400">
-                <a:solidFill>
-                  <a:srgbClr val="323232"/>
-                </a:solidFill>
-              </a:defRPr>
-            </a:pPr>
-            <a:r>
-              <a:t>✔ Strings are stored in the String Pool for memory efficiency.</a:t>
+          <a:bodyPr>
+            <a:normAutofit fontScale="92500" lnSpcReduction="10000"/>
+          </a:bodyPr>
+          <a:lstStyle/>
+          <a:p>
+            <a:pPr algn="l">
+              <a:defRPr sz="2400">
+                <a:solidFill>
+                  <a:srgbClr val="323232"/>
+                </a:solidFill>
+              </a:defRPr>
+            </a:pPr>
+            <a:r>
+              <a:rPr dirty="0"/>
+              <a:t>✔ Strings in Java are objects that represent sequences of characters.</a:t>
+            </a:r>
+          </a:p>
+          <a:p>
+            <a:pPr algn="l">
+              <a:defRPr sz="2400">
+                <a:solidFill>
+                  <a:srgbClr val="323232"/>
+                </a:solidFill>
+              </a:defRPr>
+            </a:pPr>
+            <a:r>
+              <a:rPr dirty="0"/>
+              <a:t>✔ Java Strings are **immutable** (once created, they cannot be changed).</a:t>
+            </a:r>
+          </a:p>
+          <a:p>
+            <a:pPr algn="l">
+              <a:defRPr sz="2400">
+                <a:solidFill>
+                  <a:srgbClr val="323232"/>
+                </a:solidFill>
+              </a:defRPr>
+            </a:pPr>
+            <a:r>
+              <a:rPr dirty="0"/>
+              <a:t>✔ The `String` class is part of `</a:t>
+            </a:r>
+            <a:r>
+              <a:rPr dirty="0" err="1"/>
+              <a:t>java.lang</a:t>
+            </a:r>
+            <a:r>
+              <a:rPr dirty="0"/>
+              <a:t>` package and provides many methods.</a:t>
+            </a:r>
+          </a:p>
+          <a:p>
+            <a:pPr algn="l">
+              <a:defRPr sz="2400">
+                <a:solidFill>
+                  <a:srgbClr val="323232"/>
+                </a:solidFill>
+              </a:defRPr>
+            </a:pPr>
+            <a:endParaRPr dirty="0"/>
+          </a:p>
+          <a:p>
+            <a:pPr algn="l">
+              <a:defRPr sz="2400">
+                <a:solidFill>
+                  <a:srgbClr val="323232"/>
+                </a:solidFill>
+              </a:defRPr>
+            </a:pPr>
+            <a:r>
+              <a:rPr dirty="0">
+                <a:solidFill>
+                  <a:srgbClr val="FF0000"/>
+                </a:solidFill>
+              </a:rPr>
+              <a:t>**Why use Strings?**</a:t>
+            </a:r>
+          </a:p>
+          <a:p>
+            <a:pPr algn="l">
+              <a:defRPr sz="2400">
+                <a:solidFill>
+                  <a:srgbClr val="323232"/>
+                </a:solidFill>
+              </a:defRPr>
+            </a:pPr>
+            <a:r>
+              <a:rPr dirty="0"/>
+              <a:t>✔ Used to store and manipulate text.</a:t>
+            </a:r>
+          </a:p>
+          <a:p>
+            <a:pPr algn="l">
+              <a:defRPr sz="2400">
+                <a:solidFill>
+                  <a:srgbClr val="323232"/>
+                </a:solidFill>
+              </a:defRPr>
+            </a:pPr>
+            <a:r>
+              <a:rPr dirty="0"/>
+              <a:t>✔ Supports string pooling for memory efficiency.</a:t>
+            </a:r>
+          </a:p>
+          <a:p>
+            <a:pPr algn="l">
+              <a:defRPr sz="2400">
+                <a:solidFill>
+                  <a:srgbClr val="323232"/>
+                </a:solidFill>
+              </a:defRPr>
+            </a:pPr>
+            <a:r>
+              <a:rPr dirty="0"/>
+              <a:t>✔ Provides built-in methods for operations like searching, splitting, and replacing.</a:t>
             </a:r>
           </a:p>
         </p:txBody>
@@ -3964,7 +4112,7 @@
 </file>
 
 <file path=ppt/slides/slide16.xml><?xml version="1.0" encoding="utf-8"?>
-<p:sld xmlns:a="http://schemas.openxmlformats.org/drawingml/2006/main" xmlns:p="http://schemas.openxmlformats.org/presentationml/2006/main" xmlns:r="http://schemas.openxmlformats.org/officeDocument/2006/relationships">
+<p:sld xmlns:a="http://schemas.openxmlformats.org/drawingml/2006/main" xmlns:r="http://schemas.openxmlformats.org/officeDocument/2006/relationships" xmlns:p="http://schemas.openxmlformats.org/presentationml/2006/main">
   <p:cSld>
     <p:spTree>
       <p:nvGrpSpPr>
@@ -3972,7 +4120,14 @@
         <p:cNvGrpSpPr/>
         <p:nvPr/>
       </p:nvGrpSpPr>
-      <p:grpSpPr/>
+      <p:grpSpPr>
+        <a:xfrm>
+          <a:off x="0" y="0"/>
+          <a:ext cx="0" cy="0"/>
+          <a:chOff x="0" y="0"/>
+          <a:chExt cx="0" cy="0"/>
+        </a:xfrm>
+      </p:grpSpPr>
       <p:sp>
         <p:nvSpPr>
           <p:cNvPr id="2" name="Title 1"/>
@@ -3983,20 +4138,28 @@
             <p:ph type="title"/>
           </p:nvPr>
         </p:nvSpPr>
-        <p:spPr/>
-        <p:txBody>
-          <a:bodyPr/>
+        <p:spPr>
+          <a:xfrm>
+            <a:off x="457200" y="274638"/>
+            <a:ext cx="8229600" cy="575754"/>
+          </a:xfrm>
+        </p:spPr>
+        <p:txBody>
+          <a:bodyPr>
+            <a:normAutofit fontScale="90000"/>
+          </a:bodyPr>
           <a:lstStyle/>
           <a:p>
             <a:pPr>
-              <a:defRPr b="1" sz="3600">
+              <a:defRPr sz="3600" b="1">
                 <a:solidFill>
                   <a:srgbClr val="0066CC"/>
                 </a:solidFill>
               </a:defRPr>
             </a:pPr>
             <a:r>
-              <a:t>Creating Strings</a:t>
+              <a:rPr dirty="0"/>
+              <a:t>Creating Strings in Java</a:t>
             </a:r>
           </a:p>
         </p:txBody>
@@ -4011,43 +4174,68 @@
             <p:ph idx="1"/>
           </p:nvPr>
         </p:nvSpPr>
-        <p:spPr/>
-        <p:txBody>
-          <a:bodyPr/>
-          <a:lstStyle/>
-          <a:p>
-            <a:pPr algn="l">
-              <a:defRPr sz="2400">
-                <a:solidFill>
-                  <a:srgbClr val="323232"/>
-                </a:solidFill>
-              </a:defRPr>
-            </a:pPr>
-            <a:r>
-              <a:t>Ways to create a String:</a:t>
-            </a:r>
-          </a:p>
-          <a:p>
-            <a:pPr algn="l">
-              <a:defRPr sz="2400">
-                <a:solidFill>
-                  <a:srgbClr val="323232"/>
-                </a:solidFill>
-              </a:defRPr>
-            </a:pPr>
-            <a:r>
-              <a:t>🔹 Using String Literal:</a:t>
-            </a:r>
-          </a:p>
-          <a:p>
-            <a:pPr algn="l">
-              <a:defRPr sz="2400">
-                <a:solidFill>
-                  <a:srgbClr val="323232"/>
-                </a:solidFill>
-              </a:defRPr>
-            </a:pPr>
-            <a:r>
+        <p:spPr>
+          <a:xfrm>
+            <a:off x="548640" y="1399032"/>
+            <a:ext cx="8229600" cy="4525963"/>
+          </a:xfrm>
+        </p:spPr>
+        <p:txBody>
+          <a:bodyPr>
+            <a:normAutofit fontScale="77500" lnSpcReduction="20000"/>
+          </a:bodyPr>
+          <a:lstStyle/>
+          <a:p>
+            <a:pPr algn="l">
+              <a:defRPr sz="2400">
+                <a:solidFill>
+                  <a:srgbClr val="323232"/>
+                </a:solidFill>
+              </a:defRPr>
+            </a:pPr>
+            <a:r>
+              <a:rPr b="1" dirty="0">
+                <a:solidFill>
+                  <a:srgbClr val="FF0000"/>
+                </a:solidFill>
+              </a:rPr>
+              <a:t>**There are two ways to create Strings:**</a:t>
+            </a:r>
+          </a:p>
+          <a:p>
+            <a:pPr marL="0" indent="0" algn="l">
+              <a:buNone/>
+              <a:defRPr sz="2400">
+                <a:solidFill>
+                  <a:srgbClr val="323232"/>
+                </a:solidFill>
+              </a:defRPr>
+            </a:pPr>
+            <a:endParaRPr dirty="0"/>
+          </a:p>
+          <a:p>
+            <a:pPr algn="l">
+              <a:defRPr sz="2400">
+                <a:solidFill>
+                  <a:srgbClr val="323232"/>
+                </a:solidFill>
+              </a:defRPr>
+            </a:pPr>
+            <a:r>
+              <a:rPr dirty="0"/>
+              <a:t>1️⃣ **Using String Literals** (Stored in String Pool, memory-efficient)</a:t>
+            </a:r>
+          </a:p>
+          <a:p>
+            <a:pPr algn="l">
+              <a:defRPr sz="2400">
+                <a:solidFill>
+                  <a:srgbClr val="323232"/>
+                </a:solidFill>
+              </a:defRPr>
+            </a:pPr>
+            <a:r>
+              <a:rPr dirty="0"/>
               <a:t>```java</a:t>
             </a:r>
           </a:p>
@@ -4060,18 +4248,20 @@
               </a:defRPr>
             </a:pPr>
             <a:r>
-              <a:t>String str1 = "Hello";</a:t>
-            </a:r>
-          </a:p>
-          <a:p>
-            <a:pPr algn="l">
-              <a:defRPr sz="2400">
-                <a:solidFill>
-                  <a:srgbClr val="323232"/>
-                </a:solidFill>
-              </a:defRPr>
-            </a:pPr>
-            <a:r>
+              <a:rPr dirty="0"/>
+              <a:t>String str1 = "Hello, Java!";</a:t>
+            </a:r>
+          </a:p>
+          <a:p>
+            <a:pPr algn="l">
+              <a:defRPr sz="2400">
+                <a:solidFill>
+                  <a:srgbClr val="323232"/>
+                </a:solidFill>
+              </a:defRPr>
+            </a:pPr>
+            <a:r>
+              <a:rPr dirty="0"/>
               <a:t>```</a:t>
             </a:r>
           </a:p>
@@ -4083,19 +4273,31 @@
                 </a:solidFill>
               </a:defRPr>
             </a:pPr>
-            <a:r>
-              <a:t>🔹 Using new Keyword:</a:t>
-            </a:r>
-          </a:p>
-          <a:p>
-            <a:pPr algn="l">
-              <a:defRPr sz="2400">
-                <a:solidFill>
-                  <a:srgbClr val="323232"/>
-                </a:solidFill>
-              </a:defRPr>
-            </a:pPr>
-            <a:r>
+            <a:endParaRPr dirty="0"/>
+          </a:p>
+          <a:p>
+            <a:pPr algn="l">
+              <a:defRPr sz="2400">
+                <a:solidFill>
+                  <a:srgbClr val="323232"/>
+                </a:solidFill>
+              </a:defRPr>
+            </a:pPr>
+            <a:r>
+              <a:rPr dirty="0"/>
+              <a:t>2️⃣ **Using new Keyword** (Forces creation of a new object in Heap)</a:t>
+            </a:r>
+          </a:p>
+          <a:p>
+            <a:pPr algn="l">
+              <a:defRPr sz="2400">
+                <a:solidFill>
+                  <a:srgbClr val="323232"/>
+                </a:solidFill>
+              </a:defRPr>
+            </a:pPr>
+            <a:r>
+              <a:rPr dirty="0"/>
               <a:t>```java</a:t>
             </a:r>
           </a:p>
@@ -4108,19 +4310,70 @@
               </a:defRPr>
             </a:pPr>
             <a:r>
-              <a:t>String str2 = new String("Hello");</a:t>
-            </a:r>
-          </a:p>
-          <a:p>
-            <a:pPr algn="l">
-              <a:defRPr sz="2400">
-                <a:solidFill>
-                  <a:srgbClr val="323232"/>
-                </a:solidFill>
-              </a:defRPr>
-            </a:pPr>
-            <a:r>
+              <a:rPr dirty="0"/>
+              <a:t>String str2 = new String("Hello, Java!");</a:t>
+            </a:r>
+          </a:p>
+          <a:p>
+            <a:pPr algn="l">
+              <a:defRPr sz="2400">
+                <a:solidFill>
+                  <a:srgbClr val="323232"/>
+                </a:solidFill>
+              </a:defRPr>
+            </a:pPr>
+            <a:r>
+              <a:rPr dirty="0"/>
               <a:t>```</a:t>
+            </a:r>
+          </a:p>
+          <a:p>
+            <a:pPr algn="l">
+              <a:defRPr sz="2400">
+                <a:solidFill>
+                  <a:srgbClr val="323232"/>
+                </a:solidFill>
+              </a:defRPr>
+            </a:pPr>
+            <a:endParaRPr dirty="0"/>
+          </a:p>
+          <a:p>
+            <a:pPr algn="l">
+              <a:defRPr sz="2400">
+                <a:solidFill>
+                  <a:srgbClr val="323232"/>
+                </a:solidFill>
+              </a:defRPr>
+            </a:pPr>
+            <a:r>
+              <a:rPr dirty="0"/>
+              <a:t>**String Pool Advantage:**</a:t>
+            </a:r>
+          </a:p>
+          <a:p>
+            <a:pPr algn="l">
+              <a:defRPr sz="2400">
+                <a:solidFill>
+                  <a:srgbClr val="323232"/>
+                </a:solidFill>
+              </a:defRPr>
+            </a:pPr>
+            <a:r>
+              <a:rPr dirty="0"/>
+              <a:t>✔ Saves memory by reusing existing string literals.</a:t>
+            </a:r>
+          </a:p>
+          <a:p>
+            <a:pPr algn="l">
+              <a:defRPr sz="2400">
+                <a:solidFill>
+                  <a:srgbClr val="323232"/>
+                </a:solidFill>
+              </a:defRPr>
+            </a:pPr>
+            <a:r>
+              <a:rPr dirty="0"/>
+              <a:t>✔ `==` compares references, while `.equals()` compares values.</a:t>
             </a:r>
           </a:p>
         </p:txBody>
@@ -4134,7 +4387,7 @@
 </file>
 
 <file path=ppt/slides/slide17.xml><?xml version="1.0" encoding="utf-8"?>
-<p:sld xmlns:a="http://schemas.openxmlformats.org/drawingml/2006/main" xmlns:p="http://schemas.openxmlformats.org/presentationml/2006/main" xmlns:r="http://schemas.openxmlformats.org/officeDocument/2006/relationships">
+<p:sld xmlns:a="http://schemas.openxmlformats.org/drawingml/2006/main" xmlns:r="http://schemas.openxmlformats.org/officeDocument/2006/relationships" xmlns:p="http://schemas.openxmlformats.org/presentationml/2006/main">
   <p:cSld>
     <p:spTree>
       <p:nvGrpSpPr>
@@ -4142,7 +4395,14 @@
         <p:cNvGrpSpPr/>
         <p:nvPr/>
       </p:nvGrpSpPr>
-      <p:grpSpPr/>
+      <p:grpSpPr>
+        <a:xfrm>
+          <a:off x="0" y="0"/>
+          <a:ext cx="0" cy="0"/>
+          <a:chOff x="0" y="0"/>
+          <a:chExt cx="0" cy="0"/>
+        </a:xfrm>
+      </p:grpSpPr>
       <p:sp>
         <p:nvSpPr>
           <p:cNvPr id="2" name="Title 1"/>
@@ -4153,20 +4413,26 @@
             <p:ph type="title"/>
           </p:nvPr>
         </p:nvSpPr>
-        <p:spPr/>
+        <p:spPr>
+          <a:xfrm>
+            <a:off x="457200" y="0"/>
+            <a:ext cx="8229600" cy="1143000"/>
+          </a:xfrm>
+        </p:spPr>
         <p:txBody>
           <a:bodyPr/>
           <a:lstStyle/>
           <a:p>
             <a:pPr>
-              <a:defRPr b="1" sz="3600">
+              <a:defRPr sz="3600" b="1">
                 <a:solidFill>
                   <a:srgbClr val="0066CC"/>
                 </a:solidFill>
               </a:defRPr>
             </a:pPr>
             <a:r>
-              <a:t>Common String Methods</a:t>
+              <a:rPr dirty="0"/>
+              <a:t>Java String Methods - Detailed</a:t>
             </a:r>
           </a:p>
         </p:txBody>
@@ -4181,80 +4447,284 @@
             <p:ph idx="1"/>
           </p:nvPr>
         </p:nvSpPr>
-        <p:spPr/>
-        <p:txBody>
-          <a:bodyPr/>
-          <a:lstStyle/>
-          <a:p>
-            <a:pPr algn="l">
-              <a:defRPr sz="2400">
-                <a:solidFill>
-                  <a:srgbClr val="323232"/>
-                </a:solidFill>
-              </a:defRPr>
-            </a:pPr>
-            <a:r>
-              <a:t>✔ length() - Returns the length of the string.</a:t>
-            </a:r>
-          </a:p>
-          <a:p>
-            <a:pPr algn="l">
-              <a:defRPr sz="2400">
-                <a:solidFill>
-                  <a:srgbClr val="323232"/>
-                </a:solidFill>
-              </a:defRPr>
-            </a:pPr>
-            <a:r>
-              <a:t>✔ charAt(index) - Returns character at specified index.</a:t>
-            </a:r>
-          </a:p>
-          <a:p>
-            <a:pPr algn="l">
-              <a:defRPr sz="2400">
-                <a:solidFill>
-                  <a:srgbClr val="323232"/>
-                </a:solidFill>
-              </a:defRPr>
-            </a:pPr>
-            <a:r>
-              <a:t>✔ substring(start, end) - Extracts a portion of the string.</a:t>
-            </a:r>
-          </a:p>
-          <a:p>
-            <a:pPr algn="l">
-              <a:defRPr sz="2400">
-                <a:solidFill>
-                  <a:srgbClr val="323232"/>
-                </a:solidFill>
-              </a:defRPr>
-            </a:pPr>
-            <a:r>
-              <a:t>✔ toLowerCase(), toUpperCase() - Converts case.</a:t>
-            </a:r>
-          </a:p>
-          <a:p>
-            <a:pPr algn="l">
-              <a:defRPr sz="2400">
-                <a:solidFill>
-                  <a:srgbClr val="323232"/>
-                </a:solidFill>
-              </a:defRPr>
-            </a:pPr>
-            <a:r>
-              <a:t>✔ equals(), equalsIgnoreCase() - Compares two strings.</a:t>
-            </a:r>
-          </a:p>
-          <a:p>
-            <a:pPr algn="l">
-              <a:defRPr sz="2400">
-                <a:solidFill>
-                  <a:srgbClr val="323232"/>
-                </a:solidFill>
-              </a:defRPr>
-            </a:pPr>
-            <a:r>
-              <a:t>✔ concat() - Combines two strings.</a:t>
+        <p:spPr>
+          <a:xfrm>
+            <a:off x="457200" y="1316736"/>
+            <a:ext cx="8229600" cy="4525963"/>
+          </a:xfrm>
+        </p:spPr>
+        <p:txBody>
+          <a:bodyPr>
+            <a:normAutofit fontScale="70000" lnSpcReduction="20000"/>
+          </a:bodyPr>
+          <a:lstStyle/>
+          <a:p>
+            <a:pPr algn="l">
+              <a:defRPr sz="2400">
+                <a:solidFill>
+                  <a:srgbClr val="323232"/>
+                </a:solidFill>
+              </a:defRPr>
+            </a:pPr>
+            <a:r>
+              <a:rPr sz="2600" b="1" dirty="0">
+                <a:solidFill>
+                  <a:srgbClr val="FF0000"/>
+                </a:solidFill>
+              </a:rPr>
+              <a:t>**Common String Methods:**</a:t>
+            </a:r>
+          </a:p>
+          <a:p>
+            <a:pPr algn="l">
+              <a:defRPr sz="2400">
+                <a:solidFill>
+                  <a:srgbClr val="323232"/>
+                </a:solidFill>
+              </a:defRPr>
+            </a:pPr>
+            <a:r>
+              <a:rPr sz="2600" b="1" dirty="0"/>
+              <a:t>✔ `length()` - Returns number of characters.</a:t>
+            </a:r>
+          </a:p>
+          <a:p>
+            <a:pPr algn="l">
+              <a:defRPr sz="2400">
+                <a:solidFill>
+                  <a:srgbClr val="323232"/>
+                </a:solidFill>
+              </a:defRPr>
+            </a:pPr>
+            <a:r>
+              <a:rPr sz="2600" b="1" dirty="0"/>
+              <a:t>✔ `</a:t>
+            </a:r>
+            <a:r>
+              <a:rPr sz="2600" b="1" dirty="0" err="1"/>
+              <a:t>charAt</a:t>
+            </a:r>
+            <a:r>
+              <a:rPr sz="2600" b="1" dirty="0"/>
+              <a:t>(index)` - Returns character at index.</a:t>
+            </a:r>
+          </a:p>
+          <a:p>
+            <a:pPr algn="l">
+              <a:defRPr sz="2400">
+                <a:solidFill>
+                  <a:srgbClr val="323232"/>
+                </a:solidFill>
+              </a:defRPr>
+            </a:pPr>
+            <a:r>
+              <a:rPr sz="2600" b="1" dirty="0"/>
+              <a:t>✔ `substring(start, end)` - Extracts part of a string.</a:t>
+            </a:r>
+          </a:p>
+          <a:p>
+            <a:pPr algn="l">
+              <a:defRPr sz="2400">
+                <a:solidFill>
+                  <a:srgbClr val="323232"/>
+                </a:solidFill>
+              </a:defRPr>
+            </a:pPr>
+            <a:r>
+              <a:rPr sz="2600" b="1" dirty="0"/>
+              <a:t>✔ `</a:t>
+            </a:r>
+            <a:r>
+              <a:rPr sz="2600" b="1" dirty="0" err="1"/>
+              <a:t>toLowerCase</a:t>
+            </a:r>
+            <a:r>
+              <a:rPr sz="2600" b="1" dirty="0"/>
+              <a:t>()`, `</a:t>
+            </a:r>
+            <a:r>
+              <a:rPr sz="2600" b="1" dirty="0" err="1"/>
+              <a:t>toUpperCase</a:t>
+            </a:r>
+            <a:r>
+              <a:rPr sz="2600" b="1" dirty="0"/>
+              <a:t>()` - Case conversion.</a:t>
+            </a:r>
+          </a:p>
+          <a:p>
+            <a:pPr algn="l">
+              <a:defRPr sz="2400">
+                <a:solidFill>
+                  <a:srgbClr val="323232"/>
+                </a:solidFill>
+              </a:defRPr>
+            </a:pPr>
+            <a:r>
+              <a:rPr sz="2600" b="1" dirty="0"/>
+              <a:t>✔ `equals(str)`, `</a:t>
+            </a:r>
+            <a:r>
+              <a:rPr sz="2600" b="1" dirty="0" err="1"/>
+              <a:t>equalsIgnoreCase</a:t>
+            </a:r>
+            <a:r>
+              <a:rPr sz="2600" b="1" dirty="0"/>
+              <a:t>(str)` - Compares values.</a:t>
+            </a:r>
+          </a:p>
+          <a:p>
+            <a:pPr algn="l">
+              <a:defRPr sz="2400">
+                <a:solidFill>
+                  <a:srgbClr val="323232"/>
+                </a:solidFill>
+              </a:defRPr>
+            </a:pPr>
+            <a:r>
+              <a:rPr sz="2600" b="1" dirty="0"/>
+              <a:t>✔ `</a:t>
+            </a:r>
+            <a:r>
+              <a:rPr sz="2600" b="1" dirty="0" err="1"/>
+              <a:t>concat</a:t>
+            </a:r>
+            <a:r>
+              <a:rPr sz="2600" b="1" dirty="0"/>
+              <a:t>(str)` - Combines two strings.</a:t>
+            </a:r>
+          </a:p>
+          <a:p>
+            <a:pPr algn="l">
+              <a:defRPr sz="2400">
+                <a:solidFill>
+                  <a:srgbClr val="323232"/>
+                </a:solidFill>
+              </a:defRPr>
+            </a:pPr>
+            <a:r>
+              <a:rPr sz="2600" b="1" dirty="0"/>
+              <a:t>✔ `trim()` - Removes leading/trailing spaces.</a:t>
+            </a:r>
+          </a:p>
+          <a:p>
+            <a:pPr algn="l">
+              <a:defRPr sz="2400">
+                <a:solidFill>
+                  <a:srgbClr val="323232"/>
+                </a:solidFill>
+              </a:defRPr>
+            </a:pPr>
+            <a:r>
+              <a:rPr sz="2600" b="1" dirty="0"/>
+              <a:t>✔ `replace(old, new)` - Replaces text.</a:t>
+            </a:r>
+          </a:p>
+          <a:p>
+            <a:pPr algn="l">
+              <a:defRPr sz="2400">
+                <a:solidFill>
+                  <a:srgbClr val="323232"/>
+                </a:solidFill>
+              </a:defRPr>
+            </a:pPr>
+            <a:r>
+              <a:rPr sz="2600" b="1" dirty="0"/>
+              <a:t>✔ `split(delimiter)` - Splits a string into an array.</a:t>
+            </a:r>
+          </a:p>
+          <a:p>
+            <a:pPr algn="l">
+              <a:defRPr sz="2400">
+                <a:solidFill>
+                  <a:srgbClr val="323232"/>
+                </a:solidFill>
+              </a:defRPr>
+            </a:pPr>
+            <a:endParaRPr dirty="0"/>
+          </a:p>
+          <a:p>
+            <a:pPr algn="l">
+              <a:defRPr sz="2400">
+                <a:solidFill>
+                  <a:srgbClr val="323232"/>
+                </a:solidFill>
+              </a:defRPr>
+            </a:pPr>
+            <a:r>
+              <a:rPr dirty="0"/>
+              <a:t>**Example:**</a:t>
+            </a:r>
+          </a:p>
+          <a:p>
+            <a:pPr algn="l">
+              <a:defRPr sz="2400">
+                <a:solidFill>
+                  <a:srgbClr val="323232"/>
+                </a:solidFill>
+              </a:defRPr>
+            </a:pPr>
+            <a:r>
+              <a:rPr dirty="0"/>
+              <a:t>```java</a:t>
+            </a:r>
+          </a:p>
+          <a:p>
+            <a:pPr algn="l">
+              <a:defRPr sz="2400">
+                <a:solidFill>
+                  <a:srgbClr val="323232"/>
+                </a:solidFill>
+              </a:defRPr>
+            </a:pPr>
+            <a:r>
+              <a:rPr dirty="0"/>
+              <a:t>String name = " Java Programming ";</a:t>
+            </a:r>
+          </a:p>
+          <a:p>
+            <a:pPr algn="l">
+              <a:defRPr sz="2400">
+                <a:solidFill>
+                  <a:srgbClr val="323232"/>
+                </a:solidFill>
+              </a:defRPr>
+            </a:pPr>
+            <a:r>
+              <a:rPr dirty="0" err="1"/>
+              <a:t>System.out.println</a:t>
+            </a:r>
+            <a:r>
+              <a:rPr dirty="0"/>
+              <a:t>(</a:t>
+            </a:r>
+            <a:r>
+              <a:rPr dirty="0" err="1"/>
+              <a:t>name.trim</a:t>
+            </a:r>
+            <a:r>
+              <a:rPr dirty="0"/>
+              <a:t>().</a:t>
+            </a:r>
+            <a:r>
+              <a:rPr dirty="0" err="1"/>
+              <a:t>toUpperCase</a:t>
+            </a:r>
+            <a:r>
+              <a:rPr dirty="0"/>
+              <a:t>()); // Output: JAVA PROGRAMMING</a:t>
+            </a:r>
+          </a:p>
+          <a:p>
+            <a:pPr algn="l">
+              <a:defRPr sz="2400">
+                <a:solidFill>
+                  <a:srgbClr val="323232"/>
+                </a:solidFill>
+              </a:defRPr>
+            </a:pPr>
+            <a:r>
+              <a:rPr dirty="0"/>
+              <a:t>```</a:t>
             </a:r>
           </a:p>
         </p:txBody>
@@ -4268,7 +4738,7 @@
 </file>
 
 <file path=ppt/slides/slide18.xml><?xml version="1.0" encoding="utf-8"?>
-<p:sld xmlns:a="http://schemas.openxmlformats.org/drawingml/2006/main" xmlns:p="http://schemas.openxmlformats.org/presentationml/2006/main" xmlns:r="http://schemas.openxmlformats.org/officeDocument/2006/relationships">
+<p:sld xmlns:a="http://schemas.openxmlformats.org/drawingml/2006/main" xmlns:r="http://schemas.openxmlformats.org/officeDocument/2006/relationships" xmlns:p="http://schemas.openxmlformats.org/presentationml/2006/main">
   <p:cSld>
     <p:spTree>
       <p:nvGrpSpPr>
@@ -4276,7 +4746,14 @@
         <p:cNvGrpSpPr/>
         <p:nvPr/>
       </p:nvGrpSpPr>
-      <p:grpSpPr/>
+      <p:grpSpPr>
+        <a:xfrm>
+          <a:off x="0" y="0"/>
+          <a:ext cx="0" cy="0"/>
+          <a:chOff x="0" y="0"/>
+          <a:chExt cx="0" cy="0"/>
+        </a:xfrm>
+      </p:grpSpPr>
       <p:sp>
         <p:nvSpPr>
           <p:cNvPr id="2" name="Title 1"/>
@@ -4287,20 +4764,26 @@
             <p:ph type="title"/>
           </p:nvPr>
         </p:nvSpPr>
-        <p:spPr/>
+        <p:spPr>
+          <a:xfrm>
+            <a:off x="457200" y="0"/>
+            <a:ext cx="8229600" cy="1143000"/>
+          </a:xfrm>
+        </p:spPr>
         <p:txBody>
           <a:bodyPr/>
           <a:lstStyle/>
           <a:p>
             <a:pPr>
-              <a:defRPr b="1" sz="3600">
+              <a:defRPr sz="3600" b="1">
                 <a:solidFill>
                   <a:srgbClr val="0066CC"/>
                 </a:solidFill>
               </a:defRPr>
             </a:pPr>
             <a:r>
-              <a:t>Java Exceptions</a:t>
+              <a:rPr dirty="0"/>
+              <a:t>Java Exceptions - Understanding Errors</a:t>
             </a:r>
           </a:p>
         </p:txBody>
@@ -4315,56 +4798,208 @@
             <p:ph idx="1"/>
           </p:nvPr>
         </p:nvSpPr>
-        <p:spPr/>
-        <p:txBody>
-          <a:bodyPr/>
-          <a:lstStyle/>
-          <a:p>
-            <a:pPr algn="l">
-              <a:defRPr sz="2400">
-                <a:solidFill>
-                  <a:srgbClr val="323232"/>
-                </a:solidFill>
-              </a:defRPr>
-            </a:pPr>
-            <a:r>
-              <a:t>✔ An Exception is an event that disrupts program execution.</a:t>
-            </a:r>
-          </a:p>
-          <a:p>
-            <a:pPr algn="l">
-              <a:defRPr sz="2400">
-                <a:solidFill>
-                  <a:srgbClr val="323232"/>
-                </a:solidFill>
-              </a:defRPr>
-            </a:pPr>
-            <a:r>
-              <a:t>✔ Types of Exceptions:</a:t>
-            </a:r>
-          </a:p>
-          <a:p>
-            <a:pPr algn="l">
-              <a:defRPr sz="2400">
-                <a:solidFill>
-                  <a:srgbClr val="323232"/>
-                </a:solidFill>
-              </a:defRPr>
-            </a:pPr>
-            <a:r>
-              <a:t>🔹 Checked Exceptions – Must be handled at compile time (IOException, SQLException).</a:t>
-            </a:r>
-          </a:p>
-          <a:p>
-            <a:pPr algn="l">
-              <a:defRPr sz="2400">
-                <a:solidFill>
-                  <a:srgbClr val="323232"/>
-                </a:solidFill>
-              </a:defRPr>
-            </a:pPr>
-            <a:r>
-              <a:t>🔹 Unchecked Exceptions – Occur at runtime (NullPointerException, ArithmeticException).</a:t>
+        <p:spPr>
+          <a:xfrm>
+            <a:off x="457200" y="1024128"/>
+            <a:ext cx="8229600" cy="4525963"/>
+          </a:xfrm>
+        </p:spPr>
+        <p:txBody>
+          <a:bodyPr>
+            <a:normAutofit fontScale="92500" lnSpcReduction="10000"/>
+          </a:bodyPr>
+          <a:lstStyle/>
+          <a:p>
+            <a:pPr algn="l">
+              <a:defRPr sz="2400">
+                <a:solidFill>
+                  <a:srgbClr val="323232"/>
+                </a:solidFill>
+              </a:defRPr>
+            </a:pPr>
+            <a:r>
+              <a:rPr dirty="0">
+                <a:solidFill>
+                  <a:srgbClr val="FF0000"/>
+                </a:solidFill>
+              </a:rPr>
+              <a:t>**What is an Exception?**</a:t>
+            </a:r>
+          </a:p>
+          <a:p>
+            <a:pPr algn="l">
+              <a:defRPr sz="2400">
+                <a:solidFill>
+                  <a:srgbClr val="323232"/>
+                </a:solidFill>
+              </a:defRPr>
+            </a:pPr>
+            <a:r>
+              <a:rPr dirty="0"/>
+              <a:t>✔ An exception is an **unexpected event** that disrupts the normal execution of a program.</a:t>
+            </a:r>
+          </a:p>
+          <a:p>
+            <a:pPr algn="l">
+              <a:defRPr sz="2400">
+                <a:solidFill>
+                  <a:srgbClr val="323232"/>
+                </a:solidFill>
+              </a:defRPr>
+            </a:pPr>
+            <a:r>
+              <a:rPr dirty="0"/>
+              <a:t>✔ Java provides a robust mechanism to handle runtime errors.</a:t>
+            </a:r>
+          </a:p>
+          <a:p>
+            <a:pPr algn="l">
+              <a:defRPr sz="2400">
+                <a:solidFill>
+                  <a:srgbClr val="323232"/>
+                </a:solidFill>
+              </a:defRPr>
+            </a:pPr>
+            <a:endParaRPr dirty="0"/>
+          </a:p>
+          <a:p>
+            <a:pPr algn="l">
+              <a:defRPr sz="2400">
+                <a:solidFill>
+                  <a:srgbClr val="323232"/>
+                </a:solidFill>
+              </a:defRPr>
+            </a:pPr>
+            <a:r>
+              <a:rPr dirty="0">
+                <a:solidFill>
+                  <a:srgbClr val="FF0000"/>
+                </a:solidFill>
+              </a:rPr>
+              <a:t>**Types of Exceptions:**</a:t>
+            </a:r>
+          </a:p>
+          <a:p>
+            <a:pPr algn="l">
+              <a:defRPr sz="2400">
+                <a:solidFill>
+                  <a:srgbClr val="323232"/>
+                </a:solidFill>
+              </a:defRPr>
+            </a:pPr>
+            <a:r>
+              <a:rPr dirty="0"/>
+              <a:t>1️⃣ </a:t>
+            </a:r>
+            <a:r>
+              <a:rPr dirty="0">
+                <a:solidFill>
+                  <a:srgbClr val="0070C0"/>
+                </a:solidFill>
+              </a:rPr>
+              <a:t>**Checked Exceptions** </a:t>
+            </a:r>
+            <a:r>
+              <a:rPr dirty="0"/>
+              <a:t>(Compile-time) - Must be handled explicitly (</a:t>
+            </a:r>
+            <a:r>
+              <a:rPr dirty="0" err="1"/>
+              <a:t>IOException</a:t>
+            </a:r>
+            <a:r>
+              <a:rPr dirty="0"/>
+              <a:t>, </a:t>
+            </a:r>
+            <a:r>
+              <a:rPr dirty="0" err="1"/>
+              <a:t>SQLException</a:t>
+            </a:r>
+            <a:r>
+              <a:rPr dirty="0"/>
+              <a:t>).</a:t>
+            </a:r>
+          </a:p>
+          <a:p>
+            <a:pPr algn="l">
+              <a:defRPr sz="2400">
+                <a:solidFill>
+                  <a:srgbClr val="323232"/>
+                </a:solidFill>
+              </a:defRPr>
+            </a:pPr>
+            <a:r>
+              <a:rPr dirty="0"/>
+              <a:t>2️⃣ </a:t>
+            </a:r>
+            <a:r>
+              <a:rPr dirty="0">
+                <a:solidFill>
+                  <a:srgbClr val="0070C0"/>
+                </a:solidFill>
+              </a:rPr>
+              <a:t>**Unchecked Exceptions** </a:t>
+            </a:r>
+            <a:r>
+              <a:rPr dirty="0"/>
+              <a:t>(Runtime) - Occurs due to logical errors (</a:t>
+            </a:r>
+            <a:r>
+              <a:rPr dirty="0" err="1"/>
+              <a:t>NullPointerException</a:t>
+            </a:r>
+            <a:r>
+              <a:rPr dirty="0"/>
+              <a:t>, </a:t>
+            </a:r>
+            <a:r>
+              <a:rPr dirty="0" err="1"/>
+              <a:t>ArithmeticException</a:t>
+            </a:r>
+            <a:r>
+              <a:rPr dirty="0"/>
+              <a:t>).</a:t>
+            </a:r>
+          </a:p>
+          <a:p>
+            <a:pPr algn="l">
+              <a:defRPr sz="2400">
+                <a:solidFill>
+                  <a:srgbClr val="323232"/>
+                </a:solidFill>
+              </a:defRPr>
+            </a:pPr>
+            <a:r>
+              <a:rPr dirty="0"/>
+              <a:t>3️⃣ </a:t>
+            </a:r>
+            <a:r>
+              <a:rPr dirty="0">
+                <a:solidFill>
+                  <a:srgbClr val="0070C0"/>
+                </a:solidFill>
+              </a:rPr>
+              <a:t>**Errors** </a:t>
+            </a:r>
+            <a:r>
+              <a:rPr dirty="0"/>
+              <a:t>- Serious problems that cannot be handled (</a:t>
+            </a:r>
+            <a:r>
+              <a:rPr dirty="0" err="1"/>
+              <a:t>OutOfMemoryError</a:t>
+            </a:r>
+            <a:r>
+              <a:rPr dirty="0"/>
+              <a:t>, </a:t>
+            </a:r>
+            <a:r>
+              <a:rPr dirty="0" err="1"/>
+              <a:t>StackOverflowError</a:t>
+            </a:r>
+            <a:r>
+              <a:rPr dirty="0"/>
+              <a:t>).</a:t>
             </a:r>
           </a:p>
         </p:txBody>
@@ -4378,7 +5013,7 @@
 </file>
 
 <file path=ppt/slides/slide19.xml><?xml version="1.0" encoding="utf-8"?>
-<p:sld xmlns:a="http://schemas.openxmlformats.org/drawingml/2006/main" xmlns:p="http://schemas.openxmlformats.org/presentationml/2006/main" xmlns:r="http://schemas.openxmlformats.org/officeDocument/2006/relationships">
+<p:sld xmlns:a="http://schemas.openxmlformats.org/drawingml/2006/main" xmlns:r="http://schemas.openxmlformats.org/officeDocument/2006/relationships" xmlns:p="http://schemas.openxmlformats.org/presentationml/2006/main">
   <p:cSld>
     <p:spTree>
       <p:nvGrpSpPr>
@@ -4386,7 +5021,14 @@
         <p:cNvGrpSpPr/>
         <p:nvPr/>
       </p:nvGrpSpPr>
-      <p:grpSpPr/>
+      <p:grpSpPr>
+        <a:xfrm>
+          <a:off x="0" y="0"/>
+          <a:ext cx="0" cy="0"/>
+          <a:chOff x="0" y="0"/>
+          <a:chExt cx="0" cy="0"/>
+        </a:xfrm>
+      </p:grpSpPr>
       <p:sp>
         <p:nvSpPr>
           <p:cNvPr id="2" name="Title 1"/>
@@ -4397,20 +5039,26 @@
             <p:ph type="title"/>
           </p:nvPr>
         </p:nvSpPr>
-        <p:spPr/>
+        <p:spPr>
+          <a:xfrm>
+            <a:off x="457200" y="160337"/>
+            <a:ext cx="8229600" cy="1143000"/>
+          </a:xfrm>
+        </p:spPr>
         <p:txBody>
           <a:bodyPr/>
           <a:lstStyle/>
           <a:p>
             <a:pPr>
-              <a:defRPr b="1" sz="3600">
+              <a:defRPr sz="3600" b="1">
                 <a:solidFill>
                   <a:srgbClr val="0066CC"/>
                 </a:solidFill>
               </a:defRPr>
             </a:pPr>
             <a:r>
-              <a:t>Handling Exceptions</a:t>
+              <a:rPr dirty="0"/>
+              <a:t>Handling Exceptions - Try, Catch, Finally</a:t>
             </a:r>
           </a:p>
         </p:txBody>
@@ -4425,43 +5073,103 @@
             <p:ph idx="1"/>
           </p:nvPr>
         </p:nvSpPr>
-        <p:spPr/>
-        <p:txBody>
-          <a:bodyPr/>
-          <a:lstStyle/>
-          <a:p>
-            <a:pPr algn="l">
-              <a:defRPr sz="2400">
-                <a:solidFill>
-                  <a:srgbClr val="323232"/>
-                </a:solidFill>
-              </a:defRPr>
-            </a:pPr>
-            <a:r>
-              <a:t>✔ Java provides try-catch to handle exceptions.</a:t>
-            </a:r>
-          </a:p>
-          <a:p>
-            <a:pPr algn="l">
-              <a:defRPr sz="2400">
-                <a:solidFill>
-                  <a:srgbClr val="323232"/>
-                </a:solidFill>
-              </a:defRPr>
-            </a:pPr>
-            <a:r>
-              <a:t>Example:</a:t>
-            </a:r>
-          </a:p>
-          <a:p>
-            <a:pPr algn="l">
-              <a:defRPr sz="2400">
-                <a:solidFill>
-                  <a:srgbClr val="323232"/>
-                </a:solidFill>
-              </a:defRPr>
-            </a:pPr>
-            <a:r>
+        <p:spPr>
+          <a:xfrm>
+            <a:off x="393192" y="1166018"/>
+            <a:ext cx="8229600" cy="4525963"/>
+          </a:xfrm>
+        </p:spPr>
+        <p:txBody>
+          <a:bodyPr>
+            <a:normAutofit fontScale="55000" lnSpcReduction="20000"/>
+          </a:bodyPr>
+          <a:lstStyle/>
+          <a:p>
+            <a:pPr algn="l">
+              <a:defRPr sz="2400">
+                <a:solidFill>
+                  <a:srgbClr val="323232"/>
+                </a:solidFill>
+              </a:defRPr>
+            </a:pPr>
+            <a:r>
+              <a:rPr sz="2900" b="1" dirty="0">
+                <a:solidFill>
+                  <a:srgbClr val="FF0000"/>
+                </a:solidFill>
+              </a:rPr>
+              <a:t>**How to Handle Exceptions?**</a:t>
+            </a:r>
+          </a:p>
+          <a:p>
+            <a:pPr algn="l">
+              <a:defRPr sz="2400">
+                <a:solidFill>
+                  <a:srgbClr val="323232"/>
+                </a:solidFill>
+              </a:defRPr>
+            </a:pPr>
+            <a:endParaRPr sz="2900" b="1" dirty="0"/>
+          </a:p>
+          <a:p>
+            <a:pPr algn="l">
+              <a:defRPr sz="2400">
+                <a:solidFill>
+                  <a:srgbClr val="323232"/>
+                </a:solidFill>
+              </a:defRPr>
+            </a:pPr>
+            <a:r>
+              <a:rPr sz="2900" b="1" dirty="0"/>
+              <a:t>✔ **Try-Catch Block** - Handles exceptions gracefully.</a:t>
+            </a:r>
+          </a:p>
+          <a:p>
+            <a:pPr algn="l">
+              <a:defRPr sz="2400">
+                <a:solidFill>
+                  <a:srgbClr val="323232"/>
+                </a:solidFill>
+              </a:defRPr>
+            </a:pPr>
+            <a:r>
+              <a:rPr sz="2900" b="1" dirty="0"/>
+              <a:t>✔ **Finally Block** - Executes code regardless of exceptions.</a:t>
+            </a:r>
+          </a:p>
+          <a:p>
+            <a:pPr algn="l">
+              <a:defRPr sz="2400">
+                <a:solidFill>
+                  <a:srgbClr val="323232"/>
+                </a:solidFill>
+              </a:defRPr>
+            </a:pPr>
+            <a:endParaRPr dirty="0"/>
+          </a:p>
+          <a:p>
+            <a:pPr algn="l">
+              <a:defRPr sz="2400">
+                <a:solidFill>
+                  <a:srgbClr val="323232"/>
+                </a:solidFill>
+              </a:defRPr>
+            </a:pPr>
+            <a:r>
+              <a:rPr dirty="0"/>
+              <a:t>**Example:**</a:t>
+            </a:r>
+          </a:p>
+          <a:p>
+            <a:pPr algn="l">
+              <a:defRPr sz="2400">
+                <a:solidFill>
+                  <a:srgbClr val="323232"/>
+                </a:solidFill>
+              </a:defRPr>
+            </a:pPr>
+            <a:r>
+              <a:rPr dirty="0"/>
               <a:t>```java</a:t>
             </a:r>
           </a:p>
@@ -4474,6 +5182,7 @@
               </a:defRPr>
             </a:pPr>
             <a:r>
+              <a:rPr dirty="0"/>
               <a:t>try {</a:t>
             </a:r>
           </a:p>
@@ -4486,6 +5195,7 @@
               </a:defRPr>
             </a:pPr>
             <a:r>
+              <a:rPr dirty="0"/>
               <a:t>    int result = 10 / 0;</a:t>
             </a:r>
           </a:p>
@@ -4498,30 +5208,83 @@
               </a:defRPr>
             </a:pPr>
             <a:r>
-              <a:t>} catch (ArithmeticException e) {</a:t>
-            </a:r>
-          </a:p>
-          <a:p>
-            <a:pPr algn="l">
-              <a:defRPr sz="2400">
-                <a:solidFill>
-                  <a:srgbClr val="323232"/>
-                </a:solidFill>
-              </a:defRPr>
-            </a:pPr>
-            <a:r>
-              <a:t>    System.out.println("Cannot divide by zero!");</a:t>
-            </a:r>
-          </a:p>
-          <a:p>
-            <a:pPr algn="l">
-              <a:defRPr sz="2400">
-                <a:solidFill>
-                  <a:srgbClr val="323232"/>
-                </a:solidFill>
-              </a:defRPr>
-            </a:pPr>
-            <a:r>
+              <a:rPr dirty="0"/>
+              <a:t>} catch (</a:t>
+            </a:r>
+            <a:r>
+              <a:rPr dirty="0" err="1"/>
+              <a:t>ArithmeticException</a:t>
+            </a:r>
+            <a:r>
+              <a:rPr dirty="0"/>
+              <a:t> e) {</a:t>
+            </a:r>
+          </a:p>
+          <a:p>
+            <a:pPr algn="l">
+              <a:defRPr sz="2400">
+                <a:solidFill>
+                  <a:srgbClr val="323232"/>
+                </a:solidFill>
+              </a:defRPr>
+            </a:pPr>
+            <a:r>
+              <a:rPr dirty="0"/>
+              <a:t>    </a:t>
+            </a:r>
+            <a:r>
+              <a:rPr dirty="0" err="1"/>
+              <a:t>System.out.println</a:t>
+            </a:r>
+            <a:r>
+              <a:rPr dirty="0"/>
+              <a:t>("Cannot divide by zero!");</a:t>
+            </a:r>
+          </a:p>
+          <a:p>
+            <a:pPr algn="l">
+              <a:defRPr sz="2400">
+                <a:solidFill>
+                  <a:srgbClr val="323232"/>
+                </a:solidFill>
+              </a:defRPr>
+            </a:pPr>
+            <a:r>
+              <a:rPr dirty="0"/>
+              <a:t>} finally {</a:t>
+            </a:r>
+          </a:p>
+          <a:p>
+            <a:pPr algn="l">
+              <a:defRPr sz="2400">
+                <a:solidFill>
+                  <a:srgbClr val="323232"/>
+                </a:solidFill>
+              </a:defRPr>
+            </a:pPr>
+            <a:r>
+              <a:rPr dirty="0"/>
+              <a:t>    </a:t>
+            </a:r>
+            <a:r>
+              <a:rPr dirty="0" err="1"/>
+              <a:t>System.out.println</a:t>
+            </a:r>
+            <a:r>
+              <a:rPr dirty="0"/>
+              <a:t>("Execution completed.");</a:t>
+            </a:r>
+          </a:p>
+          <a:p>
+            <a:pPr algn="l">
+              <a:defRPr sz="2400">
+                <a:solidFill>
+                  <a:srgbClr val="323232"/>
+                </a:solidFill>
+              </a:defRPr>
+            </a:pPr>
+            <a:r>
+              <a:rPr dirty="0"/>
               <a:t>}</a:t>
             </a:r>
           </a:p>
@@ -4534,7 +5297,65 @@
               </a:defRPr>
             </a:pPr>
             <a:r>
+              <a:rPr dirty="0"/>
               <a:t>```</a:t>
+            </a:r>
+          </a:p>
+          <a:p>
+            <a:pPr algn="l">
+              <a:defRPr sz="2400">
+                <a:solidFill>
+                  <a:srgbClr val="323232"/>
+                </a:solidFill>
+              </a:defRPr>
+            </a:pPr>
+            <a:endParaRPr dirty="0">
+              <a:solidFill>
+                <a:srgbClr val="FF0000"/>
+              </a:solidFill>
+            </a:endParaRPr>
+          </a:p>
+          <a:p>
+            <a:pPr algn="l">
+              <a:defRPr sz="2400">
+                <a:solidFill>
+                  <a:srgbClr val="323232"/>
+                </a:solidFill>
+              </a:defRPr>
+            </a:pPr>
+            <a:r>
+              <a:rPr sz="2900" b="1" dirty="0">
+                <a:solidFill>
+                  <a:srgbClr val="FF0000"/>
+                </a:solidFill>
+              </a:rPr>
+              <a:t>**Multiple Catch Blocks:**</a:t>
+            </a:r>
+          </a:p>
+          <a:p>
+            <a:pPr algn="l">
+              <a:defRPr sz="2400">
+                <a:solidFill>
+                  <a:srgbClr val="323232"/>
+                </a:solidFill>
+              </a:defRPr>
+            </a:pPr>
+            <a:r>
+              <a:rPr sz="2900" b="1" dirty="0"/>
+              <a:t>✔ Java allows catching multiple exception types separately.</a:t>
+            </a:r>
+          </a:p>
+          <a:p>
+            <a:pPr algn="l">
+              <a:defRPr sz="2400">
+                <a:solidFill>
+                  <a:srgbClr val="323232"/>
+                </a:solidFill>
+              </a:defRPr>
+            </a:pPr>
+            <a:r>
+              <a:rPr sz="2900" b="1" dirty="0"/>
+              <a:t>✔ Use `catch (Exception e)` as a general exception handler.</a:t>
             </a:r>
           </a:p>
         </p:txBody>
@@ -4548,7 +5369,7 @@
 </file>
 
 <file path=ppt/slides/slide2.xml><?xml version="1.0" encoding="utf-8"?>
-<p:sld xmlns:a="http://schemas.openxmlformats.org/drawingml/2006/main" xmlns:p="http://schemas.openxmlformats.org/presentationml/2006/main" xmlns:r="http://schemas.openxmlformats.org/officeDocument/2006/relationships">
+<p:sld xmlns:a="http://schemas.openxmlformats.org/drawingml/2006/main" xmlns:r="http://schemas.openxmlformats.org/officeDocument/2006/relationships" xmlns:p="http://schemas.openxmlformats.org/presentationml/2006/main">
   <p:cSld>
     <p:spTree>
       <p:nvGrpSpPr>
@@ -4556,7 +5377,14 @@
         <p:cNvGrpSpPr/>
         <p:nvPr/>
       </p:nvGrpSpPr>
-      <p:grpSpPr/>
+      <p:grpSpPr>
+        <a:xfrm>
+          <a:off x="0" y="0"/>
+          <a:ext cx="0" cy="0"/>
+          <a:chOff x="0" y="0"/>
+          <a:chExt cx="0" cy="0"/>
+        </a:xfrm>
+      </p:grpSpPr>
       <p:sp>
         <p:nvSpPr>
           <p:cNvPr id="2" name="Title 1"/>
@@ -4573,7 +5401,7 @@
           <a:lstStyle/>
           <a:p>
             <a:pPr>
-              <a:defRPr b="1" sz="3600">
+              <a:defRPr sz="3600" b="1">
                 <a:solidFill>
                   <a:srgbClr val="0066CC"/>
                 </a:solidFill>
@@ -4646,7 +5474,7 @@
 </file>
 
 <file path=ppt/slides/slide20.xml><?xml version="1.0" encoding="utf-8"?>
-<p:sld xmlns:a="http://schemas.openxmlformats.org/drawingml/2006/main" xmlns:p="http://schemas.openxmlformats.org/presentationml/2006/main" xmlns:r="http://schemas.openxmlformats.org/officeDocument/2006/relationships">
+<p:sld xmlns:a="http://schemas.openxmlformats.org/drawingml/2006/main" xmlns:r="http://schemas.openxmlformats.org/officeDocument/2006/relationships" xmlns:p="http://schemas.openxmlformats.org/presentationml/2006/main">
   <p:cSld>
     <p:spTree>
       <p:nvGrpSpPr>
@@ -4654,7 +5482,14 @@
         <p:cNvGrpSpPr/>
         <p:nvPr/>
       </p:nvGrpSpPr>
-      <p:grpSpPr/>
+      <p:grpSpPr>
+        <a:xfrm>
+          <a:off x="0" y="0"/>
+          <a:ext cx="0" cy="0"/>
+          <a:chOff x="0" y="0"/>
+          <a:chExt cx="0" cy="0"/>
+        </a:xfrm>
+      </p:grpSpPr>
       <p:sp>
         <p:nvSpPr>
           <p:cNvPr id="2" name="Title 1"/>
@@ -4665,20 +5500,26 @@
             <p:ph type="title"/>
           </p:nvPr>
         </p:nvSpPr>
-        <p:spPr/>
+        <p:spPr>
+          <a:xfrm>
+            <a:off x="457200" y="91758"/>
+            <a:ext cx="8229600" cy="1143000"/>
+          </a:xfrm>
+        </p:spPr>
         <p:txBody>
           <a:bodyPr/>
           <a:lstStyle/>
           <a:p>
             <a:pPr>
-              <a:defRPr b="1" sz="3600">
+              <a:defRPr sz="3600" b="1">
                 <a:solidFill>
                   <a:srgbClr val="0066CC"/>
                 </a:solidFill>
               </a:defRPr>
             </a:pPr>
             <a:r>
-              <a:t>Throw and Throws Keyword</a:t>
+              <a:rPr dirty="0"/>
+              <a:t>Throw &amp; Throws - Custom Exceptions</a:t>
             </a:r>
           </a:p>
         </p:txBody>
@@ -4693,55 +5534,93 @@
             <p:ph idx="1"/>
           </p:nvPr>
         </p:nvSpPr>
-        <p:spPr/>
-        <p:txBody>
-          <a:bodyPr/>
-          <a:lstStyle/>
-          <a:p>
-            <a:pPr algn="l">
-              <a:defRPr sz="2400">
-                <a:solidFill>
-                  <a:srgbClr val="323232"/>
-                </a:solidFill>
-              </a:defRPr>
-            </a:pPr>
-            <a:r>
-              <a:t>✔ throw - Used to explicitly throw an exception.</a:t>
-            </a:r>
-          </a:p>
-          <a:p>
-            <a:pPr algn="l">
-              <a:defRPr sz="2400">
-                <a:solidFill>
-                  <a:srgbClr val="323232"/>
-                </a:solidFill>
-              </a:defRPr>
-            </a:pPr>
-            <a:r>
-              <a:t>✔ throws - Declares exceptions in method signature.</a:t>
-            </a:r>
-          </a:p>
-          <a:p>
-            <a:pPr algn="l">
-              <a:defRPr sz="2400">
-                <a:solidFill>
-                  <a:srgbClr val="323232"/>
-                </a:solidFill>
-              </a:defRPr>
-            </a:pPr>
-            <a:r>
-              <a:t>Example:</a:t>
-            </a:r>
-          </a:p>
-          <a:p>
-            <a:pPr algn="l">
-              <a:defRPr sz="2400">
-                <a:solidFill>
-                  <a:srgbClr val="323232"/>
-                </a:solidFill>
-              </a:defRPr>
-            </a:pPr>
-            <a:r>
+        <p:spPr>
+          <a:xfrm>
+            <a:off x="265176" y="1234758"/>
+            <a:ext cx="8229600" cy="4525963"/>
+          </a:xfrm>
+        </p:spPr>
+        <p:txBody>
+          <a:bodyPr>
+            <a:normAutofit fontScale="47500" lnSpcReduction="20000"/>
+          </a:bodyPr>
+          <a:lstStyle/>
+          <a:p>
+            <a:pPr algn="l">
+              <a:defRPr sz="2400">
+                <a:solidFill>
+                  <a:srgbClr val="323232"/>
+                </a:solidFill>
+              </a:defRPr>
+            </a:pPr>
+            <a:r>
+              <a:rPr sz="3800" b="1" dirty="0">
+                <a:solidFill>
+                  <a:srgbClr val="FF0000"/>
+                </a:solidFill>
+              </a:rPr>
+              <a:t>**`throw` Keyword:**</a:t>
+            </a:r>
+          </a:p>
+          <a:p>
+            <a:pPr algn="l">
+              <a:defRPr sz="2400">
+                <a:solidFill>
+                  <a:srgbClr val="323232"/>
+                </a:solidFill>
+              </a:defRPr>
+            </a:pPr>
+            <a:r>
+              <a:rPr sz="3800" dirty="0"/>
+              <a:t>✔ Used to manually throw an exception.</a:t>
+            </a:r>
+          </a:p>
+          <a:p>
+            <a:pPr algn="l">
+              <a:defRPr sz="2400">
+                <a:solidFill>
+                  <a:srgbClr val="323232"/>
+                </a:solidFill>
+              </a:defRPr>
+            </a:pPr>
+            <a:r>
+              <a:rPr sz="3800" dirty="0"/>
+              <a:t>✔ Commonly used for custom exceptions.</a:t>
+            </a:r>
+          </a:p>
+          <a:p>
+            <a:pPr algn="l">
+              <a:defRPr sz="2400">
+                <a:solidFill>
+                  <a:srgbClr val="323232"/>
+                </a:solidFill>
+              </a:defRPr>
+            </a:pPr>
+            <a:endParaRPr dirty="0"/>
+          </a:p>
+          <a:p>
+            <a:pPr algn="l">
+              <a:defRPr sz="2400">
+                <a:solidFill>
+                  <a:srgbClr val="323232"/>
+                </a:solidFill>
+              </a:defRPr>
+            </a:pPr>
+            <a:r>
+              <a:rPr dirty="0"/>
+              <a:t>**Example:**</a:t>
+            </a:r>
+          </a:p>
+          <a:p>
+            <a:pPr algn="l">
+              <a:defRPr sz="2400">
+                <a:solidFill>
+                  <a:srgbClr val="323232"/>
+                </a:solidFill>
+              </a:defRPr>
+            </a:pPr>
+            <a:r>
+              <a:rPr dirty="0"/>
               <a:t>```java</a:t>
             </a:r>
           </a:p>
@@ -4754,18 +5633,134 @@
               </a:defRPr>
             </a:pPr>
             <a:r>
-              <a:t>void checkAge(int age) throws Exception {</a:t>
-            </a:r>
-          </a:p>
-          <a:p>
-            <a:pPr algn="l">
-              <a:defRPr sz="2400">
-                <a:solidFill>
-                  <a:srgbClr val="323232"/>
-                </a:solidFill>
-              </a:defRPr>
-            </a:pPr>
-            <a:r>
+              <a:rPr dirty="0"/>
+              <a:t>throw new </a:t>
+            </a:r>
+            <a:r>
+              <a:rPr dirty="0" err="1"/>
+              <a:t>IllegalArgumentException</a:t>
+            </a:r>
+            <a:r>
+              <a:rPr dirty="0"/>
+              <a:t>("Invalid input");</a:t>
+            </a:r>
+          </a:p>
+          <a:p>
+            <a:pPr algn="l">
+              <a:defRPr sz="2400">
+                <a:solidFill>
+                  <a:srgbClr val="323232"/>
+                </a:solidFill>
+              </a:defRPr>
+            </a:pPr>
+            <a:r>
+              <a:rPr dirty="0"/>
+              <a:t>```</a:t>
+            </a:r>
+          </a:p>
+          <a:p>
+            <a:pPr algn="l">
+              <a:defRPr sz="2400">
+                <a:solidFill>
+                  <a:srgbClr val="323232"/>
+                </a:solidFill>
+              </a:defRPr>
+            </a:pPr>
+            <a:endParaRPr dirty="0"/>
+          </a:p>
+          <a:p>
+            <a:pPr algn="l">
+              <a:defRPr sz="2400">
+                <a:solidFill>
+                  <a:srgbClr val="323232"/>
+                </a:solidFill>
+              </a:defRPr>
+            </a:pPr>
+            <a:r>
+              <a:rPr sz="2900" b="1" dirty="0"/>
+              <a:t>**`throws` Keyword:**</a:t>
+            </a:r>
+          </a:p>
+          <a:p>
+            <a:pPr algn="l">
+              <a:defRPr sz="2400">
+                <a:solidFill>
+                  <a:srgbClr val="323232"/>
+                </a:solidFill>
+              </a:defRPr>
+            </a:pPr>
+            <a:r>
+              <a:rPr sz="2900" b="1" dirty="0"/>
+              <a:t>✔ Declares exceptions in a method signature.</a:t>
+            </a:r>
+          </a:p>
+          <a:p>
+            <a:pPr algn="l">
+              <a:defRPr sz="2400">
+                <a:solidFill>
+                  <a:srgbClr val="323232"/>
+                </a:solidFill>
+              </a:defRPr>
+            </a:pPr>
+            <a:endParaRPr dirty="0"/>
+          </a:p>
+          <a:p>
+            <a:pPr algn="l">
+              <a:defRPr sz="2400">
+                <a:solidFill>
+                  <a:srgbClr val="323232"/>
+                </a:solidFill>
+              </a:defRPr>
+            </a:pPr>
+            <a:r>
+              <a:rPr dirty="0"/>
+              <a:t>**Example:**</a:t>
+            </a:r>
+          </a:p>
+          <a:p>
+            <a:pPr algn="l">
+              <a:defRPr sz="2400">
+                <a:solidFill>
+                  <a:srgbClr val="323232"/>
+                </a:solidFill>
+              </a:defRPr>
+            </a:pPr>
+            <a:r>
+              <a:rPr dirty="0"/>
+              <a:t>```java</a:t>
+            </a:r>
+          </a:p>
+          <a:p>
+            <a:pPr algn="l">
+              <a:defRPr sz="2400">
+                <a:solidFill>
+                  <a:srgbClr val="323232"/>
+                </a:solidFill>
+              </a:defRPr>
+            </a:pPr>
+            <a:r>
+              <a:rPr dirty="0"/>
+              <a:t>void </a:t>
+            </a:r>
+            <a:r>
+              <a:rPr dirty="0" err="1"/>
+              <a:t>checkAge</a:t>
+            </a:r>
+            <a:r>
+              <a:rPr dirty="0"/>
+              <a:t>(int age) throws Exception {</a:t>
+            </a:r>
+          </a:p>
+          <a:p>
+            <a:pPr algn="l">
+              <a:defRPr sz="2400">
+                <a:solidFill>
+                  <a:srgbClr val="323232"/>
+                </a:solidFill>
+              </a:defRPr>
+            </a:pPr>
+            <a:r>
+              <a:rPr dirty="0"/>
               <a:t>    if (age &lt; 18) {</a:t>
             </a:r>
           </a:p>
@@ -4778,6 +5773,7 @@
               </a:defRPr>
             </a:pPr>
             <a:r>
+              <a:rPr dirty="0"/>
               <a:t>        throw new Exception("Not eligible");</a:t>
             </a:r>
           </a:p>
@@ -4790,6 +5786,7 @@
               </a:defRPr>
             </a:pPr>
             <a:r>
+              <a:rPr dirty="0"/>
               <a:t>    }</a:t>
             </a:r>
           </a:p>
@@ -4802,6 +5799,7 @@
               </a:defRPr>
             </a:pPr>
             <a:r>
+              <a:rPr dirty="0"/>
               <a:t>}</a:t>
             </a:r>
           </a:p>
@@ -4814,7 +5812,48 @@
               </a:defRPr>
             </a:pPr>
             <a:r>
+              <a:rPr dirty="0"/>
               <a:t>```</a:t>
+            </a:r>
+          </a:p>
+          <a:p>
+            <a:pPr algn="l">
+              <a:defRPr sz="2400">
+                <a:solidFill>
+                  <a:srgbClr val="323232"/>
+                </a:solidFill>
+              </a:defRPr>
+            </a:pPr>
+            <a:endParaRPr dirty="0"/>
+          </a:p>
+          <a:p>
+            <a:pPr algn="l">
+              <a:defRPr sz="2400">
+                <a:solidFill>
+                  <a:srgbClr val="323232"/>
+                </a:solidFill>
+              </a:defRPr>
+            </a:pPr>
+            <a:r>
+              <a:rPr sz="3800" b="1" dirty="0">
+                <a:solidFill>
+                  <a:srgbClr val="FF0000"/>
+                </a:solidFill>
+              </a:rPr>
+              <a:t>**Custom Exceptions:**</a:t>
+            </a:r>
+          </a:p>
+          <a:p>
+            <a:pPr algn="l">
+              <a:defRPr sz="2400">
+                <a:solidFill>
+                  <a:srgbClr val="323232"/>
+                </a:solidFill>
+              </a:defRPr>
+            </a:pPr>
+            <a:r>
+              <a:rPr sz="3800" dirty="0"/>
+              <a:t>✔ Java allows creating user-defined exceptions by extending `Exception` class.</a:t>
             </a:r>
           </a:p>
         </p:txBody>
@@ -4828,7 +5867,7 @@
 </file>
 
 <file path=ppt/slides/slide21.xml><?xml version="1.0" encoding="utf-8"?>
-<p:sld xmlns:a="http://schemas.openxmlformats.org/drawingml/2006/main" xmlns:p="http://schemas.openxmlformats.org/presentationml/2006/main" xmlns:r="http://schemas.openxmlformats.org/officeDocument/2006/relationships">
+<p:sld xmlns:a="http://schemas.openxmlformats.org/drawingml/2006/main" xmlns:r="http://schemas.openxmlformats.org/officeDocument/2006/relationships" xmlns:p="http://schemas.openxmlformats.org/presentationml/2006/main">
   <p:cSld>
     <p:spTree>
       <p:nvGrpSpPr>
@@ -4836,7 +5875,14 @@
         <p:cNvGrpSpPr/>
         <p:nvPr/>
       </p:nvGrpSpPr>
-      <p:grpSpPr/>
+      <p:grpSpPr>
+        <a:xfrm>
+          <a:off x="0" y="0"/>
+          <a:ext cx="0" cy="0"/>
+          <a:chOff x="0" y="0"/>
+          <a:chExt cx="0" cy="0"/>
+        </a:xfrm>
+      </p:grpSpPr>
       <p:sp>
         <p:nvSpPr>
           <p:cNvPr id="2" name="Title 1"/>
@@ -4861,1407 +5907,6 @@
             </a:pPr>
             <a:r>
               <a:t>Thank You!</a:t>
-            </a:r>
-          </a:p>
-        </p:txBody>
-      </p:sp>
-    </p:spTree>
-  </p:cSld>
-  <p:clrMapOvr>
-    <a:masterClrMapping/>
-  </p:clrMapOvr>
-</p:sld>
-</file>
-
-<file path=ppt/slides/slide22.xml><?xml version="1.0" encoding="utf-8"?>
-<p:sld xmlns:a="http://schemas.openxmlformats.org/drawingml/2006/main" xmlns:p="http://schemas.openxmlformats.org/presentationml/2006/main" xmlns:r="http://schemas.openxmlformats.org/officeDocument/2006/relationships">
-  <p:cSld>
-    <p:spTree>
-      <p:nvGrpSpPr>
-        <p:cNvPr id="1" name=""/>
-        <p:cNvGrpSpPr/>
-        <p:nvPr/>
-      </p:nvGrpSpPr>
-      <p:grpSpPr/>
-      <p:sp>
-        <p:nvSpPr>
-          <p:cNvPr id="2" name="Title 1"/>
-          <p:cNvSpPr>
-            <a:spLocks noGrp="1"/>
-          </p:cNvSpPr>
-          <p:nvPr>
-            <p:ph type="title"/>
-          </p:nvPr>
-        </p:nvSpPr>
-        <p:spPr/>
-        <p:txBody>
-          <a:bodyPr/>
-          <a:lstStyle/>
-          <a:p>
-            <a:pPr>
-              <a:defRPr b="1" sz="3600">
-                <a:solidFill>
-                  <a:srgbClr val="0066CC"/>
-                </a:solidFill>
-              </a:defRPr>
-            </a:pPr>
-            <a:r>
-              <a:t>Java Strings - Introduction</a:t>
-            </a:r>
-          </a:p>
-        </p:txBody>
-      </p:sp>
-      <p:sp>
-        <p:nvSpPr>
-          <p:cNvPr id="3" name="Content Placeholder 2"/>
-          <p:cNvSpPr>
-            <a:spLocks noGrp="1"/>
-          </p:cNvSpPr>
-          <p:nvPr>
-            <p:ph idx="1"/>
-          </p:nvPr>
-        </p:nvSpPr>
-        <p:spPr/>
-        <p:txBody>
-          <a:bodyPr/>
-          <a:lstStyle/>
-          <a:p>
-            <a:pPr algn="l">
-              <a:defRPr sz="2400">
-                <a:solidFill>
-                  <a:srgbClr val="323232"/>
-                </a:solidFill>
-              </a:defRPr>
-            </a:pPr>
-            <a:r>
-              <a:t>✔ Strings in Java are objects that represent sequences of characters.</a:t>
-            </a:r>
-          </a:p>
-          <a:p>
-            <a:pPr algn="l">
-              <a:defRPr sz="2400">
-                <a:solidFill>
-                  <a:srgbClr val="323232"/>
-                </a:solidFill>
-              </a:defRPr>
-            </a:pPr>
-            <a:r>
-              <a:t>✔ Java Strings are **immutable** (once created, they cannot be changed).</a:t>
-            </a:r>
-          </a:p>
-          <a:p>
-            <a:pPr algn="l">
-              <a:defRPr sz="2400">
-                <a:solidFill>
-                  <a:srgbClr val="323232"/>
-                </a:solidFill>
-              </a:defRPr>
-            </a:pPr>
-            <a:r>
-              <a:t>✔ The `String` class is part of `java.lang` package and provides many methods.</a:t>
-            </a:r>
-          </a:p>
-          <a:p>
-            <a:pPr algn="l">
-              <a:defRPr sz="2400">
-                <a:solidFill>
-                  <a:srgbClr val="323232"/>
-                </a:solidFill>
-              </a:defRPr>
-            </a:pPr>
-          </a:p>
-          <a:p>
-            <a:pPr algn="l">
-              <a:defRPr sz="2400">
-                <a:solidFill>
-                  <a:srgbClr val="323232"/>
-                </a:solidFill>
-              </a:defRPr>
-            </a:pPr>
-            <a:r>
-              <a:t>**Why use Strings?**</a:t>
-            </a:r>
-          </a:p>
-          <a:p>
-            <a:pPr algn="l">
-              <a:defRPr sz="2400">
-                <a:solidFill>
-                  <a:srgbClr val="323232"/>
-                </a:solidFill>
-              </a:defRPr>
-            </a:pPr>
-            <a:r>
-              <a:t>✔ Used to store and manipulate text.</a:t>
-            </a:r>
-          </a:p>
-          <a:p>
-            <a:pPr algn="l">
-              <a:defRPr sz="2400">
-                <a:solidFill>
-                  <a:srgbClr val="323232"/>
-                </a:solidFill>
-              </a:defRPr>
-            </a:pPr>
-            <a:r>
-              <a:t>✔ Supports string pooling for memory efficiency.</a:t>
-            </a:r>
-          </a:p>
-          <a:p>
-            <a:pPr algn="l">
-              <a:defRPr sz="2400">
-                <a:solidFill>
-                  <a:srgbClr val="323232"/>
-                </a:solidFill>
-              </a:defRPr>
-            </a:pPr>
-            <a:r>
-              <a:t>✔ Provides built-in methods for operations like searching, splitting, and replacing.</a:t>
-            </a:r>
-          </a:p>
-        </p:txBody>
-      </p:sp>
-    </p:spTree>
-  </p:cSld>
-  <p:clrMapOvr>
-    <a:masterClrMapping/>
-  </p:clrMapOvr>
-</p:sld>
-</file>
-
-<file path=ppt/slides/slide23.xml><?xml version="1.0" encoding="utf-8"?>
-<p:sld xmlns:a="http://schemas.openxmlformats.org/drawingml/2006/main" xmlns:p="http://schemas.openxmlformats.org/presentationml/2006/main" xmlns:r="http://schemas.openxmlformats.org/officeDocument/2006/relationships">
-  <p:cSld>
-    <p:spTree>
-      <p:nvGrpSpPr>
-        <p:cNvPr id="1" name=""/>
-        <p:cNvGrpSpPr/>
-        <p:nvPr/>
-      </p:nvGrpSpPr>
-      <p:grpSpPr/>
-      <p:sp>
-        <p:nvSpPr>
-          <p:cNvPr id="2" name="Title 1"/>
-          <p:cNvSpPr>
-            <a:spLocks noGrp="1"/>
-          </p:cNvSpPr>
-          <p:nvPr>
-            <p:ph type="title"/>
-          </p:nvPr>
-        </p:nvSpPr>
-        <p:spPr/>
-        <p:txBody>
-          <a:bodyPr/>
-          <a:lstStyle/>
-          <a:p>
-            <a:pPr>
-              <a:defRPr b="1" sz="3600">
-                <a:solidFill>
-                  <a:srgbClr val="0066CC"/>
-                </a:solidFill>
-              </a:defRPr>
-            </a:pPr>
-            <a:r>
-              <a:t>Creating Strings in Java</a:t>
-            </a:r>
-          </a:p>
-        </p:txBody>
-      </p:sp>
-      <p:sp>
-        <p:nvSpPr>
-          <p:cNvPr id="3" name="Content Placeholder 2"/>
-          <p:cNvSpPr>
-            <a:spLocks noGrp="1"/>
-          </p:cNvSpPr>
-          <p:nvPr>
-            <p:ph idx="1"/>
-          </p:nvPr>
-        </p:nvSpPr>
-        <p:spPr/>
-        <p:txBody>
-          <a:bodyPr/>
-          <a:lstStyle/>
-          <a:p>
-            <a:pPr algn="l">
-              <a:defRPr sz="2400">
-                <a:solidFill>
-                  <a:srgbClr val="323232"/>
-                </a:solidFill>
-              </a:defRPr>
-            </a:pPr>
-            <a:r>
-              <a:t>**There are two ways to create Strings:**</a:t>
-            </a:r>
-          </a:p>
-          <a:p>
-            <a:pPr algn="l">
-              <a:defRPr sz="2400">
-                <a:solidFill>
-                  <a:srgbClr val="323232"/>
-                </a:solidFill>
-              </a:defRPr>
-            </a:pPr>
-          </a:p>
-          <a:p>
-            <a:pPr algn="l">
-              <a:defRPr sz="2400">
-                <a:solidFill>
-                  <a:srgbClr val="323232"/>
-                </a:solidFill>
-              </a:defRPr>
-            </a:pPr>
-            <a:r>
-              <a:t>1️⃣ **Using String Literals** (Stored in String Pool, memory-efficient)</a:t>
-            </a:r>
-          </a:p>
-          <a:p>
-            <a:pPr algn="l">
-              <a:defRPr sz="2400">
-                <a:solidFill>
-                  <a:srgbClr val="323232"/>
-                </a:solidFill>
-              </a:defRPr>
-            </a:pPr>
-            <a:r>
-              <a:t>```java</a:t>
-            </a:r>
-          </a:p>
-          <a:p>
-            <a:pPr algn="l">
-              <a:defRPr sz="2400">
-                <a:solidFill>
-                  <a:srgbClr val="323232"/>
-                </a:solidFill>
-              </a:defRPr>
-            </a:pPr>
-            <a:r>
-              <a:t>String str1 = "Hello, Java!";</a:t>
-            </a:r>
-          </a:p>
-          <a:p>
-            <a:pPr algn="l">
-              <a:defRPr sz="2400">
-                <a:solidFill>
-                  <a:srgbClr val="323232"/>
-                </a:solidFill>
-              </a:defRPr>
-            </a:pPr>
-            <a:r>
-              <a:t>```</a:t>
-            </a:r>
-          </a:p>
-          <a:p>
-            <a:pPr algn="l">
-              <a:defRPr sz="2400">
-                <a:solidFill>
-                  <a:srgbClr val="323232"/>
-                </a:solidFill>
-              </a:defRPr>
-            </a:pPr>
-          </a:p>
-          <a:p>
-            <a:pPr algn="l">
-              <a:defRPr sz="2400">
-                <a:solidFill>
-                  <a:srgbClr val="323232"/>
-                </a:solidFill>
-              </a:defRPr>
-            </a:pPr>
-            <a:r>
-              <a:t>2️⃣ **Using new Keyword** (Forces creation of a new object in Heap)</a:t>
-            </a:r>
-          </a:p>
-          <a:p>
-            <a:pPr algn="l">
-              <a:defRPr sz="2400">
-                <a:solidFill>
-                  <a:srgbClr val="323232"/>
-                </a:solidFill>
-              </a:defRPr>
-            </a:pPr>
-            <a:r>
-              <a:t>```java</a:t>
-            </a:r>
-          </a:p>
-          <a:p>
-            <a:pPr algn="l">
-              <a:defRPr sz="2400">
-                <a:solidFill>
-                  <a:srgbClr val="323232"/>
-                </a:solidFill>
-              </a:defRPr>
-            </a:pPr>
-            <a:r>
-              <a:t>String str2 = new String("Hello, Java!");</a:t>
-            </a:r>
-          </a:p>
-          <a:p>
-            <a:pPr algn="l">
-              <a:defRPr sz="2400">
-                <a:solidFill>
-                  <a:srgbClr val="323232"/>
-                </a:solidFill>
-              </a:defRPr>
-            </a:pPr>
-            <a:r>
-              <a:t>```</a:t>
-            </a:r>
-          </a:p>
-          <a:p>
-            <a:pPr algn="l">
-              <a:defRPr sz="2400">
-                <a:solidFill>
-                  <a:srgbClr val="323232"/>
-                </a:solidFill>
-              </a:defRPr>
-            </a:pPr>
-          </a:p>
-          <a:p>
-            <a:pPr algn="l">
-              <a:defRPr sz="2400">
-                <a:solidFill>
-                  <a:srgbClr val="323232"/>
-                </a:solidFill>
-              </a:defRPr>
-            </a:pPr>
-            <a:r>
-              <a:t>**String Pool Advantage:**</a:t>
-            </a:r>
-          </a:p>
-          <a:p>
-            <a:pPr algn="l">
-              <a:defRPr sz="2400">
-                <a:solidFill>
-                  <a:srgbClr val="323232"/>
-                </a:solidFill>
-              </a:defRPr>
-            </a:pPr>
-            <a:r>
-              <a:t>✔ Saves memory by reusing existing string literals.</a:t>
-            </a:r>
-          </a:p>
-          <a:p>
-            <a:pPr algn="l">
-              <a:defRPr sz="2400">
-                <a:solidFill>
-                  <a:srgbClr val="323232"/>
-                </a:solidFill>
-              </a:defRPr>
-            </a:pPr>
-            <a:r>
-              <a:t>✔ `==` compares references, while `.equals()` compares values.</a:t>
-            </a:r>
-          </a:p>
-        </p:txBody>
-      </p:sp>
-    </p:spTree>
-  </p:cSld>
-  <p:clrMapOvr>
-    <a:masterClrMapping/>
-  </p:clrMapOvr>
-</p:sld>
-</file>
-
-<file path=ppt/slides/slide24.xml><?xml version="1.0" encoding="utf-8"?>
-<p:sld xmlns:a="http://schemas.openxmlformats.org/drawingml/2006/main" xmlns:p="http://schemas.openxmlformats.org/presentationml/2006/main" xmlns:r="http://schemas.openxmlformats.org/officeDocument/2006/relationships">
-  <p:cSld>
-    <p:spTree>
-      <p:nvGrpSpPr>
-        <p:cNvPr id="1" name=""/>
-        <p:cNvGrpSpPr/>
-        <p:nvPr/>
-      </p:nvGrpSpPr>
-      <p:grpSpPr/>
-      <p:sp>
-        <p:nvSpPr>
-          <p:cNvPr id="2" name="Title 1"/>
-          <p:cNvSpPr>
-            <a:spLocks noGrp="1"/>
-          </p:cNvSpPr>
-          <p:nvPr>
-            <p:ph type="title"/>
-          </p:nvPr>
-        </p:nvSpPr>
-        <p:spPr/>
-        <p:txBody>
-          <a:bodyPr/>
-          <a:lstStyle/>
-          <a:p>
-            <a:pPr>
-              <a:defRPr b="1" sz="3600">
-                <a:solidFill>
-                  <a:srgbClr val="0066CC"/>
-                </a:solidFill>
-              </a:defRPr>
-            </a:pPr>
-            <a:r>
-              <a:t>Java String Methods - Detailed</a:t>
-            </a:r>
-          </a:p>
-        </p:txBody>
-      </p:sp>
-      <p:sp>
-        <p:nvSpPr>
-          <p:cNvPr id="3" name="Content Placeholder 2"/>
-          <p:cNvSpPr>
-            <a:spLocks noGrp="1"/>
-          </p:cNvSpPr>
-          <p:nvPr>
-            <p:ph idx="1"/>
-          </p:nvPr>
-        </p:nvSpPr>
-        <p:spPr/>
-        <p:txBody>
-          <a:bodyPr/>
-          <a:lstStyle/>
-          <a:p>
-            <a:pPr algn="l">
-              <a:defRPr sz="2400">
-                <a:solidFill>
-                  <a:srgbClr val="323232"/>
-                </a:solidFill>
-              </a:defRPr>
-            </a:pPr>
-            <a:r>
-              <a:t>**Common String Methods:**</a:t>
-            </a:r>
-          </a:p>
-          <a:p>
-            <a:pPr algn="l">
-              <a:defRPr sz="2400">
-                <a:solidFill>
-                  <a:srgbClr val="323232"/>
-                </a:solidFill>
-              </a:defRPr>
-            </a:pPr>
-            <a:r>
-              <a:t>✔ `length()` - Returns number of characters.</a:t>
-            </a:r>
-          </a:p>
-          <a:p>
-            <a:pPr algn="l">
-              <a:defRPr sz="2400">
-                <a:solidFill>
-                  <a:srgbClr val="323232"/>
-                </a:solidFill>
-              </a:defRPr>
-            </a:pPr>
-            <a:r>
-              <a:t>✔ `charAt(index)` - Returns character at index.</a:t>
-            </a:r>
-          </a:p>
-          <a:p>
-            <a:pPr algn="l">
-              <a:defRPr sz="2400">
-                <a:solidFill>
-                  <a:srgbClr val="323232"/>
-                </a:solidFill>
-              </a:defRPr>
-            </a:pPr>
-            <a:r>
-              <a:t>✔ `substring(start, end)` - Extracts part of a string.</a:t>
-            </a:r>
-          </a:p>
-          <a:p>
-            <a:pPr algn="l">
-              <a:defRPr sz="2400">
-                <a:solidFill>
-                  <a:srgbClr val="323232"/>
-                </a:solidFill>
-              </a:defRPr>
-            </a:pPr>
-            <a:r>
-              <a:t>✔ `toLowerCase()`, `toUpperCase()` - Case conversion.</a:t>
-            </a:r>
-          </a:p>
-          <a:p>
-            <a:pPr algn="l">
-              <a:defRPr sz="2400">
-                <a:solidFill>
-                  <a:srgbClr val="323232"/>
-                </a:solidFill>
-              </a:defRPr>
-            </a:pPr>
-            <a:r>
-              <a:t>✔ `equals(str)`, `equalsIgnoreCase(str)` - Compares values.</a:t>
-            </a:r>
-          </a:p>
-          <a:p>
-            <a:pPr algn="l">
-              <a:defRPr sz="2400">
-                <a:solidFill>
-                  <a:srgbClr val="323232"/>
-                </a:solidFill>
-              </a:defRPr>
-            </a:pPr>
-            <a:r>
-              <a:t>✔ `concat(str)` - Combines two strings.</a:t>
-            </a:r>
-          </a:p>
-          <a:p>
-            <a:pPr algn="l">
-              <a:defRPr sz="2400">
-                <a:solidFill>
-                  <a:srgbClr val="323232"/>
-                </a:solidFill>
-              </a:defRPr>
-            </a:pPr>
-            <a:r>
-              <a:t>✔ `trim()` - Removes leading/trailing spaces.</a:t>
-            </a:r>
-          </a:p>
-          <a:p>
-            <a:pPr algn="l">
-              <a:defRPr sz="2400">
-                <a:solidFill>
-                  <a:srgbClr val="323232"/>
-                </a:solidFill>
-              </a:defRPr>
-            </a:pPr>
-            <a:r>
-              <a:t>✔ `replace(old, new)` - Replaces text.</a:t>
-            </a:r>
-          </a:p>
-          <a:p>
-            <a:pPr algn="l">
-              <a:defRPr sz="2400">
-                <a:solidFill>
-                  <a:srgbClr val="323232"/>
-                </a:solidFill>
-              </a:defRPr>
-            </a:pPr>
-            <a:r>
-              <a:t>✔ `split(delimiter)` - Splits a string into an array.</a:t>
-            </a:r>
-          </a:p>
-          <a:p>
-            <a:pPr algn="l">
-              <a:defRPr sz="2400">
-                <a:solidFill>
-                  <a:srgbClr val="323232"/>
-                </a:solidFill>
-              </a:defRPr>
-            </a:pPr>
-          </a:p>
-          <a:p>
-            <a:pPr algn="l">
-              <a:defRPr sz="2400">
-                <a:solidFill>
-                  <a:srgbClr val="323232"/>
-                </a:solidFill>
-              </a:defRPr>
-            </a:pPr>
-            <a:r>
-              <a:t>**Example:**</a:t>
-            </a:r>
-          </a:p>
-          <a:p>
-            <a:pPr algn="l">
-              <a:defRPr sz="2400">
-                <a:solidFill>
-                  <a:srgbClr val="323232"/>
-                </a:solidFill>
-              </a:defRPr>
-            </a:pPr>
-            <a:r>
-              <a:t>```java</a:t>
-            </a:r>
-          </a:p>
-          <a:p>
-            <a:pPr algn="l">
-              <a:defRPr sz="2400">
-                <a:solidFill>
-                  <a:srgbClr val="323232"/>
-                </a:solidFill>
-              </a:defRPr>
-            </a:pPr>
-            <a:r>
-              <a:t>String name = " Java Programming ";</a:t>
-            </a:r>
-          </a:p>
-          <a:p>
-            <a:pPr algn="l">
-              <a:defRPr sz="2400">
-                <a:solidFill>
-                  <a:srgbClr val="323232"/>
-                </a:solidFill>
-              </a:defRPr>
-            </a:pPr>
-            <a:r>
-              <a:t>System.out.println(name.trim().toUpperCase()); // Output: JAVA PROGRAMMING</a:t>
-            </a:r>
-          </a:p>
-          <a:p>
-            <a:pPr algn="l">
-              <a:defRPr sz="2400">
-                <a:solidFill>
-                  <a:srgbClr val="323232"/>
-                </a:solidFill>
-              </a:defRPr>
-            </a:pPr>
-            <a:r>
-              <a:t>```</a:t>
-            </a:r>
-          </a:p>
-        </p:txBody>
-      </p:sp>
-    </p:spTree>
-  </p:cSld>
-  <p:clrMapOvr>
-    <a:masterClrMapping/>
-  </p:clrMapOvr>
-</p:sld>
-</file>
-
-<file path=ppt/slides/slide25.xml><?xml version="1.0" encoding="utf-8"?>
-<p:sld xmlns:a="http://schemas.openxmlformats.org/drawingml/2006/main" xmlns:p="http://schemas.openxmlformats.org/presentationml/2006/main" xmlns:r="http://schemas.openxmlformats.org/officeDocument/2006/relationships">
-  <p:cSld>
-    <p:spTree>
-      <p:nvGrpSpPr>
-        <p:cNvPr id="1" name=""/>
-        <p:cNvGrpSpPr/>
-        <p:nvPr/>
-      </p:nvGrpSpPr>
-      <p:grpSpPr/>
-      <p:sp>
-        <p:nvSpPr>
-          <p:cNvPr id="2" name="Title 1"/>
-          <p:cNvSpPr>
-            <a:spLocks noGrp="1"/>
-          </p:cNvSpPr>
-          <p:nvPr>
-            <p:ph type="title"/>
-          </p:nvPr>
-        </p:nvSpPr>
-        <p:spPr/>
-        <p:txBody>
-          <a:bodyPr/>
-          <a:lstStyle/>
-          <a:p>
-            <a:pPr>
-              <a:defRPr b="1" sz="3600">
-                <a:solidFill>
-                  <a:srgbClr val="0066CC"/>
-                </a:solidFill>
-              </a:defRPr>
-            </a:pPr>
-            <a:r>
-              <a:t>Java Exceptions - Understanding Errors</a:t>
-            </a:r>
-          </a:p>
-        </p:txBody>
-      </p:sp>
-      <p:sp>
-        <p:nvSpPr>
-          <p:cNvPr id="3" name="Content Placeholder 2"/>
-          <p:cNvSpPr>
-            <a:spLocks noGrp="1"/>
-          </p:cNvSpPr>
-          <p:nvPr>
-            <p:ph idx="1"/>
-          </p:nvPr>
-        </p:nvSpPr>
-        <p:spPr/>
-        <p:txBody>
-          <a:bodyPr/>
-          <a:lstStyle/>
-          <a:p>
-            <a:pPr algn="l">
-              <a:defRPr sz="2400">
-                <a:solidFill>
-                  <a:srgbClr val="323232"/>
-                </a:solidFill>
-              </a:defRPr>
-            </a:pPr>
-            <a:r>
-              <a:t>**What is an Exception?**</a:t>
-            </a:r>
-          </a:p>
-          <a:p>
-            <a:pPr algn="l">
-              <a:defRPr sz="2400">
-                <a:solidFill>
-                  <a:srgbClr val="323232"/>
-                </a:solidFill>
-              </a:defRPr>
-            </a:pPr>
-            <a:r>
-              <a:t>✔ An exception is an **unexpected event** that disrupts the normal execution of a program.</a:t>
-            </a:r>
-          </a:p>
-          <a:p>
-            <a:pPr algn="l">
-              <a:defRPr sz="2400">
-                <a:solidFill>
-                  <a:srgbClr val="323232"/>
-                </a:solidFill>
-              </a:defRPr>
-            </a:pPr>
-            <a:r>
-              <a:t>✔ Java provides a robust mechanism to handle runtime errors.</a:t>
-            </a:r>
-          </a:p>
-          <a:p>
-            <a:pPr algn="l">
-              <a:defRPr sz="2400">
-                <a:solidFill>
-                  <a:srgbClr val="323232"/>
-                </a:solidFill>
-              </a:defRPr>
-            </a:pPr>
-          </a:p>
-          <a:p>
-            <a:pPr algn="l">
-              <a:defRPr sz="2400">
-                <a:solidFill>
-                  <a:srgbClr val="323232"/>
-                </a:solidFill>
-              </a:defRPr>
-            </a:pPr>
-            <a:r>
-              <a:t>**Types of Exceptions:**</a:t>
-            </a:r>
-          </a:p>
-          <a:p>
-            <a:pPr algn="l">
-              <a:defRPr sz="2400">
-                <a:solidFill>
-                  <a:srgbClr val="323232"/>
-                </a:solidFill>
-              </a:defRPr>
-            </a:pPr>
-            <a:r>
-              <a:t>1️⃣ **Checked Exceptions** (Compile-time) - Must be handled explicitly (IOException, SQLException).</a:t>
-            </a:r>
-          </a:p>
-          <a:p>
-            <a:pPr algn="l">
-              <a:defRPr sz="2400">
-                <a:solidFill>
-                  <a:srgbClr val="323232"/>
-                </a:solidFill>
-              </a:defRPr>
-            </a:pPr>
-            <a:r>
-              <a:t>2️⃣ **Unchecked Exceptions** (Runtime) - Occurs due to logical errors (NullPointerException, ArithmeticException).</a:t>
-            </a:r>
-          </a:p>
-          <a:p>
-            <a:pPr algn="l">
-              <a:defRPr sz="2400">
-                <a:solidFill>
-                  <a:srgbClr val="323232"/>
-                </a:solidFill>
-              </a:defRPr>
-            </a:pPr>
-            <a:r>
-              <a:t>3️⃣ **Errors** - Serious problems that cannot be handled (OutOfMemoryError, StackOverflowError).</a:t>
-            </a:r>
-          </a:p>
-        </p:txBody>
-      </p:sp>
-    </p:spTree>
-  </p:cSld>
-  <p:clrMapOvr>
-    <a:masterClrMapping/>
-  </p:clrMapOvr>
-</p:sld>
-</file>
-
-<file path=ppt/slides/slide26.xml><?xml version="1.0" encoding="utf-8"?>
-<p:sld xmlns:a="http://schemas.openxmlformats.org/drawingml/2006/main" xmlns:p="http://schemas.openxmlformats.org/presentationml/2006/main" xmlns:r="http://schemas.openxmlformats.org/officeDocument/2006/relationships">
-  <p:cSld>
-    <p:spTree>
-      <p:nvGrpSpPr>
-        <p:cNvPr id="1" name=""/>
-        <p:cNvGrpSpPr/>
-        <p:nvPr/>
-      </p:nvGrpSpPr>
-      <p:grpSpPr/>
-      <p:sp>
-        <p:nvSpPr>
-          <p:cNvPr id="2" name="Title 1"/>
-          <p:cNvSpPr>
-            <a:spLocks noGrp="1"/>
-          </p:cNvSpPr>
-          <p:nvPr>
-            <p:ph type="title"/>
-          </p:nvPr>
-        </p:nvSpPr>
-        <p:spPr/>
-        <p:txBody>
-          <a:bodyPr/>
-          <a:lstStyle/>
-          <a:p>
-            <a:pPr>
-              <a:defRPr b="1" sz="3600">
-                <a:solidFill>
-                  <a:srgbClr val="0066CC"/>
-                </a:solidFill>
-              </a:defRPr>
-            </a:pPr>
-            <a:r>
-              <a:t>Handling Exceptions - Try, Catch, Finally</a:t>
-            </a:r>
-          </a:p>
-        </p:txBody>
-      </p:sp>
-      <p:sp>
-        <p:nvSpPr>
-          <p:cNvPr id="3" name="Content Placeholder 2"/>
-          <p:cNvSpPr>
-            <a:spLocks noGrp="1"/>
-          </p:cNvSpPr>
-          <p:nvPr>
-            <p:ph idx="1"/>
-          </p:nvPr>
-        </p:nvSpPr>
-        <p:spPr/>
-        <p:txBody>
-          <a:bodyPr/>
-          <a:lstStyle/>
-          <a:p>
-            <a:pPr algn="l">
-              <a:defRPr sz="2400">
-                <a:solidFill>
-                  <a:srgbClr val="323232"/>
-                </a:solidFill>
-              </a:defRPr>
-            </a:pPr>
-            <a:r>
-              <a:t>**How to Handle Exceptions?**</a:t>
-            </a:r>
-          </a:p>
-          <a:p>
-            <a:pPr algn="l">
-              <a:defRPr sz="2400">
-                <a:solidFill>
-                  <a:srgbClr val="323232"/>
-                </a:solidFill>
-              </a:defRPr>
-            </a:pPr>
-          </a:p>
-          <a:p>
-            <a:pPr algn="l">
-              <a:defRPr sz="2400">
-                <a:solidFill>
-                  <a:srgbClr val="323232"/>
-                </a:solidFill>
-              </a:defRPr>
-            </a:pPr>
-            <a:r>
-              <a:t>✔ **Try-Catch Block** - Handles exceptions gracefully.</a:t>
-            </a:r>
-          </a:p>
-          <a:p>
-            <a:pPr algn="l">
-              <a:defRPr sz="2400">
-                <a:solidFill>
-                  <a:srgbClr val="323232"/>
-                </a:solidFill>
-              </a:defRPr>
-            </a:pPr>
-            <a:r>
-              <a:t>✔ **Finally Block** - Executes code regardless of exceptions.</a:t>
-            </a:r>
-          </a:p>
-          <a:p>
-            <a:pPr algn="l">
-              <a:defRPr sz="2400">
-                <a:solidFill>
-                  <a:srgbClr val="323232"/>
-                </a:solidFill>
-              </a:defRPr>
-            </a:pPr>
-          </a:p>
-          <a:p>
-            <a:pPr algn="l">
-              <a:defRPr sz="2400">
-                <a:solidFill>
-                  <a:srgbClr val="323232"/>
-                </a:solidFill>
-              </a:defRPr>
-            </a:pPr>
-            <a:r>
-              <a:t>**Example:**</a:t>
-            </a:r>
-          </a:p>
-          <a:p>
-            <a:pPr algn="l">
-              <a:defRPr sz="2400">
-                <a:solidFill>
-                  <a:srgbClr val="323232"/>
-                </a:solidFill>
-              </a:defRPr>
-            </a:pPr>
-            <a:r>
-              <a:t>```java</a:t>
-            </a:r>
-          </a:p>
-          <a:p>
-            <a:pPr algn="l">
-              <a:defRPr sz="2400">
-                <a:solidFill>
-                  <a:srgbClr val="323232"/>
-                </a:solidFill>
-              </a:defRPr>
-            </a:pPr>
-            <a:r>
-              <a:t>try {</a:t>
-            </a:r>
-          </a:p>
-          <a:p>
-            <a:pPr algn="l">
-              <a:defRPr sz="2400">
-                <a:solidFill>
-                  <a:srgbClr val="323232"/>
-                </a:solidFill>
-              </a:defRPr>
-            </a:pPr>
-            <a:r>
-              <a:t>    int result = 10 / 0;</a:t>
-            </a:r>
-          </a:p>
-          <a:p>
-            <a:pPr algn="l">
-              <a:defRPr sz="2400">
-                <a:solidFill>
-                  <a:srgbClr val="323232"/>
-                </a:solidFill>
-              </a:defRPr>
-            </a:pPr>
-            <a:r>
-              <a:t>} catch (ArithmeticException e) {</a:t>
-            </a:r>
-          </a:p>
-          <a:p>
-            <a:pPr algn="l">
-              <a:defRPr sz="2400">
-                <a:solidFill>
-                  <a:srgbClr val="323232"/>
-                </a:solidFill>
-              </a:defRPr>
-            </a:pPr>
-            <a:r>
-              <a:t>    System.out.println("Cannot divide by zero!");</a:t>
-            </a:r>
-          </a:p>
-          <a:p>
-            <a:pPr algn="l">
-              <a:defRPr sz="2400">
-                <a:solidFill>
-                  <a:srgbClr val="323232"/>
-                </a:solidFill>
-              </a:defRPr>
-            </a:pPr>
-            <a:r>
-              <a:t>} finally {</a:t>
-            </a:r>
-          </a:p>
-          <a:p>
-            <a:pPr algn="l">
-              <a:defRPr sz="2400">
-                <a:solidFill>
-                  <a:srgbClr val="323232"/>
-                </a:solidFill>
-              </a:defRPr>
-            </a:pPr>
-            <a:r>
-              <a:t>    System.out.println("Execution completed.");</a:t>
-            </a:r>
-          </a:p>
-          <a:p>
-            <a:pPr algn="l">
-              <a:defRPr sz="2400">
-                <a:solidFill>
-                  <a:srgbClr val="323232"/>
-                </a:solidFill>
-              </a:defRPr>
-            </a:pPr>
-            <a:r>
-              <a:t>}</a:t>
-            </a:r>
-          </a:p>
-          <a:p>
-            <a:pPr algn="l">
-              <a:defRPr sz="2400">
-                <a:solidFill>
-                  <a:srgbClr val="323232"/>
-                </a:solidFill>
-              </a:defRPr>
-            </a:pPr>
-            <a:r>
-              <a:t>```</a:t>
-            </a:r>
-          </a:p>
-          <a:p>
-            <a:pPr algn="l">
-              <a:defRPr sz="2400">
-                <a:solidFill>
-                  <a:srgbClr val="323232"/>
-                </a:solidFill>
-              </a:defRPr>
-            </a:pPr>
-          </a:p>
-          <a:p>
-            <a:pPr algn="l">
-              <a:defRPr sz="2400">
-                <a:solidFill>
-                  <a:srgbClr val="323232"/>
-                </a:solidFill>
-              </a:defRPr>
-            </a:pPr>
-            <a:r>
-              <a:t>**Multiple Catch Blocks:**</a:t>
-            </a:r>
-          </a:p>
-          <a:p>
-            <a:pPr algn="l">
-              <a:defRPr sz="2400">
-                <a:solidFill>
-                  <a:srgbClr val="323232"/>
-                </a:solidFill>
-              </a:defRPr>
-            </a:pPr>
-            <a:r>
-              <a:t>✔ Java allows catching multiple exception types separately.</a:t>
-            </a:r>
-          </a:p>
-          <a:p>
-            <a:pPr algn="l">
-              <a:defRPr sz="2400">
-                <a:solidFill>
-                  <a:srgbClr val="323232"/>
-                </a:solidFill>
-              </a:defRPr>
-            </a:pPr>
-            <a:r>
-              <a:t>✔ Use `catch (Exception e)` as a general exception handler.</a:t>
-            </a:r>
-          </a:p>
-        </p:txBody>
-      </p:sp>
-    </p:spTree>
-  </p:cSld>
-  <p:clrMapOvr>
-    <a:masterClrMapping/>
-  </p:clrMapOvr>
-</p:sld>
-</file>
-
-<file path=ppt/slides/slide27.xml><?xml version="1.0" encoding="utf-8"?>
-<p:sld xmlns:a="http://schemas.openxmlformats.org/drawingml/2006/main" xmlns:p="http://schemas.openxmlformats.org/presentationml/2006/main" xmlns:r="http://schemas.openxmlformats.org/officeDocument/2006/relationships">
-  <p:cSld>
-    <p:spTree>
-      <p:nvGrpSpPr>
-        <p:cNvPr id="1" name=""/>
-        <p:cNvGrpSpPr/>
-        <p:nvPr/>
-      </p:nvGrpSpPr>
-      <p:grpSpPr/>
-      <p:sp>
-        <p:nvSpPr>
-          <p:cNvPr id="2" name="Title 1"/>
-          <p:cNvSpPr>
-            <a:spLocks noGrp="1"/>
-          </p:cNvSpPr>
-          <p:nvPr>
-            <p:ph type="title"/>
-          </p:nvPr>
-        </p:nvSpPr>
-        <p:spPr/>
-        <p:txBody>
-          <a:bodyPr/>
-          <a:lstStyle/>
-          <a:p>
-            <a:pPr>
-              <a:defRPr b="1" sz="3600">
-                <a:solidFill>
-                  <a:srgbClr val="0066CC"/>
-                </a:solidFill>
-              </a:defRPr>
-            </a:pPr>
-            <a:r>
-              <a:t>Throw &amp; Throws - Custom Exceptions</a:t>
-            </a:r>
-          </a:p>
-        </p:txBody>
-      </p:sp>
-      <p:sp>
-        <p:nvSpPr>
-          <p:cNvPr id="3" name="Content Placeholder 2"/>
-          <p:cNvSpPr>
-            <a:spLocks noGrp="1"/>
-          </p:cNvSpPr>
-          <p:nvPr>
-            <p:ph idx="1"/>
-          </p:nvPr>
-        </p:nvSpPr>
-        <p:spPr/>
-        <p:txBody>
-          <a:bodyPr/>
-          <a:lstStyle/>
-          <a:p>
-            <a:pPr algn="l">
-              <a:defRPr sz="2400">
-                <a:solidFill>
-                  <a:srgbClr val="323232"/>
-                </a:solidFill>
-              </a:defRPr>
-            </a:pPr>
-            <a:r>
-              <a:t>**`throw` Keyword:**</a:t>
-            </a:r>
-          </a:p>
-          <a:p>
-            <a:pPr algn="l">
-              <a:defRPr sz="2400">
-                <a:solidFill>
-                  <a:srgbClr val="323232"/>
-                </a:solidFill>
-              </a:defRPr>
-            </a:pPr>
-            <a:r>
-              <a:t>✔ Used to manually throw an exception.</a:t>
-            </a:r>
-          </a:p>
-          <a:p>
-            <a:pPr algn="l">
-              <a:defRPr sz="2400">
-                <a:solidFill>
-                  <a:srgbClr val="323232"/>
-                </a:solidFill>
-              </a:defRPr>
-            </a:pPr>
-            <a:r>
-              <a:t>✔ Commonly used for custom exceptions.</a:t>
-            </a:r>
-          </a:p>
-          <a:p>
-            <a:pPr algn="l">
-              <a:defRPr sz="2400">
-                <a:solidFill>
-                  <a:srgbClr val="323232"/>
-                </a:solidFill>
-              </a:defRPr>
-            </a:pPr>
-          </a:p>
-          <a:p>
-            <a:pPr algn="l">
-              <a:defRPr sz="2400">
-                <a:solidFill>
-                  <a:srgbClr val="323232"/>
-                </a:solidFill>
-              </a:defRPr>
-            </a:pPr>
-            <a:r>
-              <a:t>**Example:**</a:t>
-            </a:r>
-          </a:p>
-          <a:p>
-            <a:pPr algn="l">
-              <a:defRPr sz="2400">
-                <a:solidFill>
-                  <a:srgbClr val="323232"/>
-                </a:solidFill>
-              </a:defRPr>
-            </a:pPr>
-            <a:r>
-              <a:t>```java</a:t>
-            </a:r>
-          </a:p>
-          <a:p>
-            <a:pPr algn="l">
-              <a:defRPr sz="2400">
-                <a:solidFill>
-                  <a:srgbClr val="323232"/>
-                </a:solidFill>
-              </a:defRPr>
-            </a:pPr>
-            <a:r>
-              <a:t>throw new IllegalArgumentException("Invalid input");</a:t>
-            </a:r>
-          </a:p>
-          <a:p>
-            <a:pPr algn="l">
-              <a:defRPr sz="2400">
-                <a:solidFill>
-                  <a:srgbClr val="323232"/>
-                </a:solidFill>
-              </a:defRPr>
-            </a:pPr>
-            <a:r>
-              <a:t>```</a:t>
-            </a:r>
-          </a:p>
-          <a:p>
-            <a:pPr algn="l">
-              <a:defRPr sz="2400">
-                <a:solidFill>
-                  <a:srgbClr val="323232"/>
-                </a:solidFill>
-              </a:defRPr>
-            </a:pPr>
-          </a:p>
-          <a:p>
-            <a:pPr algn="l">
-              <a:defRPr sz="2400">
-                <a:solidFill>
-                  <a:srgbClr val="323232"/>
-                </a:solidFill>
-              </a:defRPr>
-            </a:pPr>
-            <a:r>
-              <a:t>**`throws` Keyword:**</a:t>
-            </a:r>
-          </a:p>
-          <a:p>
-            <a:pPr algn="l">
-              <a:defRPr sz="2400">
-                <a:solidFill>
-                  <a:srgbClr val="323232"/>
-                </a:solidFill>
-              </a:defRPr>
-            </a:pPr>
-            <a:r>
-              <a:t>✔ Declares exceptions in a method signature.</a:t>
-            </a:r>
-          </a:p>
-          <a:p>
-            <a:pPr algn="l">
-              <a:defRPr sz="2400">
-                <a:solidFill>
-                  <a:srgbClr val="323232"/>
-                </a:solidFill>
-              </a:defRPr>
-            </a:pPr>
-          </a:p>
-          <a:p>
-            <a:pPr algn="l">
-              <a:defRPr sz="2400">
-                <a:solidFill>
-                  <a:srgbClr val="323232"/>
-                </a:solidFill>
-              </a:defRPr>
-            </a:pPr>
-            <a:r>
-              <a:t>**Example:**</a:t>
-            </a:r>
-          </a:p>
-          <a:p>
-            <a:pPr algn="l">
-              <a:defRPr sz="2400">
-                <a:solidFill>
-                  <a:srgbClr val="323232"/>
-                </a:solidFill>
-              </a:defRPr>
-            </a:pPr>
-            <a:r>
-              <a:t>```java</a:t>
-            </a:r>
-          </a:p>
-          <a:p>
-            <a:pPr algn="l">
-              <a:defRPr sz="2400">
-                <a:solidFill>
-                  <a:srgbClr val="323232"/>
-                </a:solidFill>
-              </a:defRPr>
-            </a:pPr>
-            <a:r>
-              <a:t>void checkAge(int age) throws Exception {</a:t>
-            </a:r>
-          </a:p>
-          <a:p>
-            <a:pPr algn="l">
-              <a:defRPr sz="2400">
-                <a:solidFill>
-                  <a:srgbClr val="323232"/>
-                </a:solidFill>
-              </a:defRPr>
-            </a:pPr>
-            <a:r>
-              <a:t>    if (age &lt; 18) {</a:t>
-            </a:r>
-          </a:p>
-          <a:p>
-            <a:pPr algn="l">
-              <a:defRPr sz="2400">
-                <a:solidFill>
-                  <a:srgbClr val="323232"/>
-                </a:solidFill>
-              </a:defRPr>
-            </a:pPr>
-            <a:r>
-              <a:t>        throw new Exception("Not eligible");</a:t>
-            </a:r>
-          </a:p>
-          <a:p>
-            <a:pPr algn="l">
-              <a:defRPr sz="2400">
-                <a:solidFill>
-                  <a:srgbClr val="323232"/>
-                </a:solidFill>
-              </a:defRPr>
-            </a:pPr>
-            <a:r>
-              <a:t>    }</a:t>
-            </a:r>
-          </a:p>
-          <a:p>
-            <a:pPr algn="l">
-              <a:defRPr sz="2400">
-                <a:solidFill>
-                  <a:srgbClr val="323232"/>
-                </a:solidFill>
-              </a:defRPr>
-            </a:pPr>
-            <a:r>
-              <a:t>}</a:t>
-            </a:r>
-          </a:p>
-          <a:p>
-            <a:pPr algn="l">
-              <a:defRPr sz="2400">
-                <a:solidFill>
-                  <a:srgbClr val="323232"/>
-                </a:solidFill>
-              </a:defRPr>
-            </a:pPr>
-            <a:r>
-              <a:t>```</a:t>
-            </a:r>
-          </a:p>
-          <a:p>
-            <a:pPr algn="l">
-              <a:defRPr sz="2400">
-                <a:solidFill>
-                  <a:srgbClr val="323232"/>
-                </a:solidFill>
-              </a:defRPr>
-            </a:pPr>
-          </a:p>
-          <a:p>
-            <a:pPr algn="l">
-              <a:defRPr sz="2400">
-                <a:solidFill>
-                  <a:srgbClr val="323232"/>
-                </a:solidFill>
-              </a:defRPr>
-            </a:pPr>
-            <a:r>
-              <a:t>**Custom Exceptions:**</a:t>
-            </a:r>
-          </a:p>
-          <a:p>
-            <a:pPr algn="l">
-              <a:defRPr sz="2400">
-                <a:solidFill>
-                  <a:srgbClr val="323232"/>
-                </a:solidFill>
-              </a:defRPr>
-            </a:pPr>
-            <a:r>
-              <a:t>✔ Java allows creating user-defined exceptions by extending `Exception` class.</a:t>
             </a:r>
           </a:p>
         </p:txBody>
@@ -6275,7 +5920,7 @@
 </file>
 
 <file path=ppt/slides/slide3.xml><?xml version="1.0" encoding="utf-8"?>
-<p:sld xmlns:a="http://schemas.openxmlformats.org/drawingml/2006/main" xmlns:p="http://schemas.openxmlformats.org/presentationml/2006/main" xmlns:r="http://schemas.openxmlformats.org/officeDocument/2006/relationships">
+<p:sld xmlns:a="http://schemas.openxmlformats.org/drawingml/2006/main" xmlns:r="http://schemas.openxmlformats.org/officeDocument/2006/relationships" xmlns:p="http://schemas.openxmlformats.org/presentationml/2006/main">
   <p:cSld>
     <p:spTree>
       <p:nvGrpSpPr>
@@ -6283,7 +5928,14 @@
         <p:cNvGrpSpPr/>
         <p:nvPr/>
       </p:nvGrpSpPr>
-      <p:grpSpPr/>
+      <p:grpSpPr>
+        <a:xfrm>
+          <a:off x="0" y="0"/>
+          <a:ext cx="0" cy="0"/>
+          <a:chOff x="0" y="0"/>
+          <a:chExt cx="0" cy="0"/>
+        </a:xfrm>
+      </p:grpSpPr>
       <p:sp>
         <p:nvSpPr>
           <p:cNvPr id="2" name="Title 1"/>
@@ -6300,7 +5952,7 @@
           <a:lstStyle/>
           <a:p>
             <a:pPr>
-              <a:defRPr b="1" sz="3600">
+              <a:defRPr sz="3600" b="1">
                 <a:solidFill>
                   <a:srgbClr val="0066CC"/>
                 </a:solidFill>
@@ -6373,7 +6025,7 @@
 </file>
 
 <file path=ppt/slides/slide4.xml><?xml version="1.0" encoding="utf-8"?>
-<p:sld xmlns:a="http://schemas.openxmlformats.org/drawingml/2006/main" xmlns:p="http://schemas.openxmlformats.org/presentationml/2006/main" xmlns:r="http://schemas.openxmlformats.org/officeDocument/2006/relationships">
+<p:sld xmlns:a="http://schemas.openxmlformats.org/drawingml/2006/main" xmlns:r="http://schemas.openxmlformats.org/officeDocument/2006/relationships" xmlns:p="http://schemas.openxmlformats.org/presentationml/2006/main">
   <p:cSld>
     <p:spTree>
       <p:nvGrpSpPr>
@@ -6381,7 +6033,14 @@
         <p:cNvGrpSpPr/>
         <p:nvPr/>
       </p:nvGrpSpPr>
-      <p:grpSpPr/>
+      <p:grpSpPr>
+        <a:xfrm>
+          <a:off x="0" y="0"/>
+          <a:ext cx="0" cy="0"/>
+          <a:chOff x="0" y="0"/>
+          <a:chExt cx="0" cy="0"/>
+        </a:xfrm>
+      </p:grpSpPr>
       <p:sp>
         <p:nvSpPr>
           <p:cNvPr id="2" name="Title 1"/>
@@ -6398,7 +6057,7 @@
           <a:lstStyle/>
           <a:p>
             <a:pPr>
-              <a:defRPr b="1" sz="3600">
+              <a:defRPr sz="3600" b="1">
                 <a:solidFill>
                   <a:srgbClr val="0066CC"/>
                 </a:solidFill>
@@ -6507,7 +6166,7 @@
 </file>
 
 <file path=ppt/slides/slide5.xml><?xml version="1.0" encoding="utf-8"?>
-<p:sld xmlns:a="http://schemas.openxmlformats.org/drawingml/2006/main" xmlns:p="http://schemas.openxmlformats.org/presentationml/2006/main" xmlns:r="http://schemas.openxmlformats.org/officeDocument/2006/relationships">
+<p:sld xmlns:a="http://schemas.openxmlformats.org/drawingml/2006/main" xmlns:r="http://schemas.openxmlformats.org/officeDocument/2006/relationships" xmlns:p="http://schemas.openxmlformats.org/presentationml/2006/main">
   <p:cSld>
     <p:spTree>
       <p:nvGrpSpPr>
@@ -6515,7 +6174,14 @@
         <p:cNvGrpSpPr/>
         <p:nvPr/>
       </p:nvGrpSpPr>
-      <p:grpSpPr/>
+      <p:grpSpPr>
+        <a:xfrm>
+          <a:off x="0" y="0"/>
+          <a:ext cx="0" cy="0"/>
+          <a:chOff x="0" y="0"/>
+          <a:chExt cx="0" cy="0"/>
+        </a:xfrm>
+      </p:grpSpPr>
       <p:sp>
         <p:nvSpPr>
           <p:cNvPr id="2" name="Title 1"/>
@@ -6532,7 +6198,7 @@
           <a:lstStyle/>
           <a:p>
             <a:pPr>
-              <a:defRPr b="1" sz="3600">
+              <a:defRPr sz="3600" b="1">
                 <a:solidFill>
                   <a:srgbClr val="0066CC"/>
                 </a:solidFill>
@@ -6641,7 +6307,7 @@
 </file>
 
 <file path=ppt/slides/slide6.xml><?xml version="1.0" encoding="utf-8"?>
-<p:sld xmlns:a="http://schemas.openxmlformats.org/drawingml/2006/main" xmlns:p="http://schemas.openxmlformats.org/presentationml/2006/main" xmlns:r="http://schemas.openxmlformats.org/officeDocument/2006/relationships">
+<p:sld xmlns:a="http://schemas.openxmlformats.org/drawingml/2006/main" xmlns:r="http://schemas.openxmlformats.org/officeDocument/2006/relationships" xmlns:p="http://schemas.openxmlformats.org/presentationml/2006/main">
   <p:cSld>
     <p:spTree>
       <p:nvGrpSpPr>
@@ -6649,7 +6315,14 @@
         <p:cNvGrpSpPr/>
         <p:nvPr/>
       </p:nvGrpSpPr>
-      <p:grpSpPr/>
+      <p:grpSpPr>
+        <a:xfrm>
+          <a:off x="0" y="0"/>
+          <a:ext cx="0" cy="0"/>
+          <a:chOff x="0" y="0"/>
+          <a:chExt cx="0" cy="0"/>
+        </a:xfrm>
+      </p:grpSpPr>
       <p:sp>
         <p:nvSpPr>
           <p:cNvPr id="2" name="Title 1"/>
@@ -6666,7 +6339,7 @@
           <a:lstStyle/>
           <a:p>
             <a:pPr>
-              <a:defRPr b="1" sz="3600">
+              <a:defRPr sz="3600" b="1">
                 <a:solidFill>
                   <a:srgbClr val="0066CC"/>
                 </a:solidFill>
@@ -6799,7 +6472,7 @@
 </file>
 
 <file path=ppt/slides/slide7.xml><?xml version="1.0" encoding="utf-8"?>
-<p:sld xmlns:a="http://schemas.openxmlformats.org/drawingml/2006/main" xmlns:p="http://schemas.openxmlformats.org/presentationml/2006/main" xmlns:r="http://schemas.openxmlformats.org/officeDocument/2006/relationships">
+<p:sld xmlns:a="http://schemas.openxmlformats.org/drawingml/2006/main" xmlns:r="http://schemas.openxmlformats.org/officeDocument/2006/relationships" xmlns:p="http://schemas.openxmlformats.org/presentationml/2006/main">
   <p:cSld>
     <p:spTree>
       <p:nvGrpSpPr>
@@ -6807,7 +6480,14 @@
         <p:cNvGrpSpPr/>
         <p:nvPr/>
       </p:nvGrpSpPr>
-      <p:grpSpPr/>
+      <p:grpSpPr>
+        <a:xfrm>
+          <a:off x="0" y="0"/>
+          <a:ext cx="0" cy="0"/>
+          <a:chOff x="0" y="0"/>
+          <a:chExt cx="0" cy="0"/>
+        </a:xfrm>
+      </p:grpSpPr>
       <p:sp>
         <p:nvSpPr>
           <p:cNvPr id="2" name="Title 1"/>
@@ -6824,7 +6504,7 @@
           <a:lstStyle/>
           <a:p>
             <a:pPr>
-              <a:defRPr b="1" sz="3600">
+              <a:defRPr sz="3600" b="1">
                 <a:solidFill>
                   <a:srgbClr val="0066CC"/>
                 </a:solidFill>
@@ -6870,6 +6550,7 @@
                 </a:solidFill>
               </a:defRPr>
             </a:pPr>
+            <a:endParaRPr/>
           </a:p>
           <a:p>
             <a:pPr algn="l">
@@ -6930,7 +6611,7 @@
 </file>
 
 <file path=ppt/slides/slide8.xml><?xml version="1.0" encoding="utf-8"?>
-<p:sld xmlns:a="http://schemas.openxmlformats.org/drawingml/2006/main" xmlns:p="http://schemas.openxmlformats.org/presentationml/2006/main" xmlns:r="http://schemas.openxmlformats.org/officeDocument/2006/relationships">
+<p:sld xmlns:a="http://schemas.openxmlformats.org/drawingml/2006/main" xmlns:r="http://schemas.openxmlformats.org/officeDocument/2006/relationships" xmlns:p="http://schemas.openxmlformats.org/presentationml/2006/main">
   <p:cSld>
     <p:spTree>
       <p:nvGrpSpPr>
@@ -6938,7 +6619,14 @@
         <p:cNvGrpSpPr/>
         <p:nvPr/>
       </p:nvGrpSpPr>
-      <p:grpSpPr/>
+      <p:grpSpPr>
+        <a:xfrm>
+          <a:off x="0" y="0"/>
+          <a:ext cx="0" cy="0"/>
+          <a:chOff x="0" y="0"/>
+          <a:chExt cx="0" cy="0"/>
+        </a:xfrm>
+      </p:grpSpPr>
       <p:sp>
         <p:nvSpPr>
           <p:cNvPr id="2" name="Title 1"/>
@@ -6955,7 +6643,7 @@
           <a:lstStyle/>
           <a:p>
             <a:pPr>
-              <a:defRPr b="1" sz="3600">
+              <a:defRPr sz="3600" b="1">
                 <a:solidFill>
                   <a:srgbClr val="0066CC"/>
                 </a:solidFill>
@@ -7040,7 +6728,7 @@
 </file>
 
 <file path=ppt/slides/slide9.xml><?xml version="1.0" encoding="utf-8"?>
-<p:sld xmlns:a="http://schemas.openxmlformats.org/drawingml/2006/main" xmlns:p="http://schemas.openxmlformats.org/presentationml/2006/main" xmlns:r="http://schemas.openxmlformats.org/officeDocument/2006/relationships">
+<p:sld xmlns:a="http://schemas.openxmlformats.org/drawingml/2006/main" xmlns:r="http://schemas.openxmlformats.org/officeDocument/2006/relationships" xmlns:p="http://schemas.openxmlformats.org/presentationml/2006/main">
   <p:cSld>
     <p:spTree>
       <p:nvGrpSpPr>
@@ -7048,7 +6736,14 @@
         <p:cNvGrpSpPr/>
         <p:nvPr/>
       </p:nvGrpSpPr>
-      <p:grpSpPr/>
+      <p:grpSpPr>
+        <a:xfrm>
+          <a:off x="0" y="0"/>
+          <a:ext cx="0" cy="0"/>
+          <a:chOff x="0" y="0"/>
+          <a:chExt cx="0" cy="0"/>
+        </a:xfrm>
+      </p:grpSpPr>
       <p:sp>
         <p:nvSpPr>
           <p:cNvPr id="2" name="Title 1"/>
@@ -7065,7 +6760,7 @@
           <a:lstStyle/>
           <a:p>
             <a:pPr>
-              <a:defRPr b="1" sz="3600">
+              <a:defRPr sz="3600" b="1">
                 <a:solidFill>
                   <a:srgbClr val="0066CC"/>
                 </a:solidFill>
